--- a/slides/01_Spark_Background.pptx
+++ b/slides/01_Spark_Background.pptx
@@ -5,41 +5,46 @@
     <p:sldMasterId id="2147483672" r:id="rId1"/>
   </p:sldMasterIdLst>
   <p:notesMasterIdLst>
-    <p:notesMasterId r:id="rId31"/>
+    <p:notesMasterId r:id="rId36"/>
   </p:notesMasterIdLst>
   <p:handoutMasterIdLst>
-    <p:handoutMasterId r:id="rId32"/>
+    <p:handoutMasterId r:id="rId37"/>
   </p:handoutMasterIdLst>
   <p:sldIdLst>
     <p:sldId id="258" r:id="rId2"/>
     <p:sldId id="257" r:id="rId3"/>
-    <p:sldId id="302" r:id="rId4"/>
-    <p:sldId id="273" r:id="rId5"/>
-    <p:sldId id="272" r:id="rId6"/>
-    <p:sldId id="261" r:id="rId7"/>
-    <p:sldId id="303" r:id="rId8"/>
-    <p:sldId id="299" r:id="rId9"/>
-    <p:sldId id="301" r:id="rId10"/>
-    <p:sldId id="317" r:id="rId11"/>
-    <p:sldId id="263" r:id="rId12"/>
-    <p:sldId id="304" r:id="rId13"/>
-    <p:sldId id="305" r:id="rId14"/>
-    <p:sldId id="318" r:id="rId15"/>
-    <p:sldId id="319" r:id="rId16"/>
-    <p:sldId id="321" r:id="rId17"/>
-    <p:sldId id="320" r:id="rId18"/>
-    <p:sldId id="308" r:id="rId19"/>
-    <p:sldId id="307" r:id="rId20"/>
-    <p:sldId id="309" r:id="rId21"/>
-    <p:sldId id="310" r:id="rId22"/>
-    <p:sldId id="311" r:id="rId23"/>
-    <p:sldId id="312" r:id="rId24"/>
-    <p:sldId id="322" r:id="rId25"/>
-    <p:sldId id="306" r:id="rId26"/>
-    <p:sldId id="313" r:id="rId27"/>
-    <p:sldId id="315" r:id="rId28"/>
-    <p:sldId id="314" r:id="rId29"/>
-    <p:sldId id="316" r:id="rId30"/>
+    <p:sldId id="273" r:id="rId4"/>
+    <p:sldId id="272" r:id="rId5"/>
+    <p:sldId id="326" r:id="rId6"/>
+    <p:sldId id="327" r:id="rId7"/>
+    <p:sldId id="302" r:id="rId8"/>
+    <p:sldId id="323" r:id="rId9"/>
+    <p:sldId id="261" r:id="rId10"/>
+    <p:sldId id="303" r:id="rId11"/>
+    <p:sldId id="299" r:id="rId12"/>
+    <p:sldId id="301" r:id="rId13"/>
+    <p:sldId id="317" r:id="rId14"/>
+    <p:sldId id="263" r:id="rId15"/>
+    <p:sldId id="304" r:id="rId16"/>
+    <p:sldId id="305" r:id="rId17"/>
+    <p:sldId id="318" r:id="rId18"/>
+    <p:sldId id="319" r:id="rId19"/>
+    <p:sldId id="321" r:id="rId20"/>
+    <p:sldId id="320" r:id="rId21"/>
+    <p:sldId id="308" r:id="rId22"/>
+    <p:sldId id="307" r:id="rId23"/>
+    <p:sldId id="309" r:id="rId24"/>
+    <p:sldId id="310" r:id="rId25"/>
+    <p:sldId id="311" r:id="rId26"/>
+    <p:sldId id="312" r:id="rId27"/>
+    <p:sldId id="322" r:id="rId28"/>
+    <p:sldId id="306" r:id="rId29"/>
+    <p:sldId id="313" r:id="rId30"/>
+    <p:sldId id="315" r:id="rId31"/>
+    <p:sldId id="324" r:id="rId32"/>
+    <p:sldId id="325" r:id="rId33"/>
+    <p:sldId id="314" r:id="rId34"/>
+    <p:sldId id="316" r:id="rId35"/>
   </p:sldIdLst>
   <p:sldSz cx="9144000" cy="6858000" type="screen4x3"/>
   <p:notesSz cx="6858000" cy="9144000"/>
@@ -223,7 +228,7 @@
           <a:p>
             <a:fld id="{F417C17C-C22B-5A4D-86C6-03CADFB916E7}" type="datetimeFigureOut">
               <a:rPr lang="en-US" smtClean="0"/>
-              <a:t>1/25/15</a:t>
+              <a:t>2/18/15</a:t>
             </a:fld>
             <a:endParaRPr lang="en-US"/>
           </a:p>
@@ -389,7 +394,7 @@
           <a:p>
             <a:fld id="{F94EDEDA-1CEA-BB4E-9B95-2149BD5068F1}" type="datetimeFigureOut">
               <a:rPr lang="en-US" smtClean="0"/>
-              <a:t>1/25/15</a:t>
+              <a:t>2/18/15</a:t>
             </a:fld>
             <a:endParaRPr lang="en-US"/>
           </a:p>
@@ -731,7 +736,7 @@
           <a:p>
             <a:fld id="{1CC4B0A8-AEC9-8A47-9FCE-A1CBD16A493F}" type="slidenum">
               <a:rPr lang="en-US" smtClean="0"/>
-              <a:t>7</a:t>
+              <a:t>10</a:t>
             </a:fld>
             <a:endParaRPr lang="en-US"/>
           </a:p>
@@ -823,7 +828,7 @@
           <a:p>
             <a:fld id="{1CC4B0A8-AEC9-8A47-9FCE-A1CBD16A493F}" type="slidenum">
               <a:rPr lang="en-US" smtClean="0"/>
-              <a:t>8</a:t>
+              <a:t>11</a:t>
             </a:fld>
             <a:endParaRPr lang="en-US"/>
           </a:p>
@@ -921,7 +926,7 @@
           <a:p>
             <a:fld id="{1CC4B0A8-AEC9-8A47-9FCE-A1CBD16A493F}" type="slidenum">
               <a:rPr lang="en-US" smtClean="0"/>
-              <a:t>9</a:t>
+              <a:t>12</a:t>
             </a:fld>
             <a:endParaRPr lang="en-US"/>
           </a:p>
@@ -1013,7 +1018,7 @@
           <a:p>
             <a:fld id="{1CC4B0A8-AEC9-8A47-9FCE-A1CBD16A493F}" type="slidenum">
               <a:rPr lang="en-US" smtClean="0"/>
-              <a:t>12</a:t>
+              <a:t>15</a:t>
             </a:fld>
             <a:endParaRPr lang="en-US"/>
           </a:p>
@@ -1111,7 +1116,7 @@
           <a:p>
             <a:fld id="{1CC4B0A8-AEC9-8A47-9FCE-A1CBD16A493F}" type="slidenum">
               <a:rPr lang="en-US" smtClean="0"/>
-              <a:t>16</a:t>
+              <a:t>19</a:t>
             </a:fld>
             <a:endParaRPr lang="en-US"/>
           </a:p>
@@ -1331,7 +1336,7 @@
           <a:p>
             <a:fld id="{9F1B846B-8A2D-1B40-9656-03CBE7C30F89}" type="datetime1">
               <a:rPr lang="en-US" smtClean="0"/>
-              <a:t>1/25/15</a:t>
+              <a:t>2/18/15</a:t>
             </a:fld>
             <a:endParaRPr lang="en-US"/>
           </a:p>
@@ -1789,7 +1794,7 @@
           <a:p>
             <a:fld id="{3AC6D651-2F6B-4F44-9AC2-2874A650DFFF}" type="datetime1">
               <a:rPr lang="en-US" smtClean="0"/>
-              <a:t>1/25/15</a:t>
+              <a:t>2/18/15</a:t>
             </a:fld>
             <a:endParaRPr lang="en-US"/>
           </a:p>
@@ -2336,7 +2341,7 @@
           <a:p>
             <a:fld id="{2F9368DD-AF8D-A84E-B015-C56E16CCA0B8}" type="datetime1">
               <a:rPr lang="en-US" smtClean="0"/>
-              <a:t>1/25/15</a:t>
+              <a:t>2/18/15</a:t>
             </a:fld>
             <a:endParaRPr lang="en-US"/>
           </a:p>
@@ -2476,7 +2481,7 @@
           <a:p>
             <a:fld id="{51EECA03-0EFE-AE49-AEC4-FF5FAA3318FF}" type="datetime1">
               <a:rPr lang="en-US" smtClean="0"/>
-              <a:t>1/25/15</a:t>
+              <a:t>2/18/15</a:t>
             </a:fld>
             <a:endParaRPr lang="en-US"/>
           </a:p>
@@ -2818,7 +2823,7 @@
           <a:p>
             <a:fld id="{AC99F442-9D35-CD43-AF7C-482407A7E448}" type="datetime1">
               <a:rPr lang="en-US" smtClean="0"/>
-              <a:t>1/25/15</a:t>
+              <a:t>2/18/15</a:t>
             </a:fld>
             <a:endParaRPr lang="en-US"/>
           </a:p>
@@ -3148,7 +3153,7 @@
           <a:p>
             <a:fld id="{6FF29FFD-6E86-7D41-8B06-D97C95FD9989}" type="datetime1">
               <a:rPr lang="en-US" smtClean="0"/>
-              <a:t>1/25/15</a:t>
+              <a:t>2/18/15</a:t>
             </a:fld>
             <a:endParaRPr lang="en-US"/>
           </a:p>
@@ -3450,7 +3455,7 @@
           <a:p>
             <a:fld id="{A7DDD598-7C70-AD4A-A0DD-92D30AAA5510}" type="datetime1">
               <a:rPr lang="en-US" smtClean="0"/>
-              <a:t>1/25/15</a:t>
+              <a:t>2/18/15</a:t>
             </a:fld>
             <a:endParaRPr lang="en-US"/>
           </a:p>
@@ -3841,7 +3846,7 @@
           <a:p>
             <a:fld id="{69AB95C5-5C4D-2440-955D-3D443FE41120}" type="datetime1">
               <a:rPr lang="en-US" smtClean="0"/>
-              <a:t>1/25/15</a:t>
+              <a:t>2/18/15</a:t>
             </a:fld>
             <a:endParaRPr lang="en-US"/>
           </a:p>
@@ -4265,7 +4270,7 @@
           <a:p>
             <a:fld id="{7A3B19C7-97AD-7A44-9B9C-A4CD352EDF8C}" type="datetime1">
               <a:rPr lang="en-US" smtClean="0"/>
-              <a:t>1/25/15</a:t>
+              <a:t>2/18/15</a:t>
             </a:fld>
             <a:endParaRPr lang="en-US"/>
           </a:p>
@@ -4817,7 +4822,7 @@
           <a:p>
             <a:fld id="{400A512E-66E8-C943-9CDD-ABCDE7307FC5}" type="datetime1">
               <a:rPr lang="en-US" smtClean="0"/>
-              <a:t>1/25/15</a:t>
+              <a:t>2/18/15</a:t>
             </a:fld>
             <a:endParaRPr lang="en-US"/>
           </a:p>
@@ -5179,7 +5184,7 @@
           <a:p>
             <a:fld id="{275737D3-87B9-8A41-9F3E-456EAA10E2F7}" type="datetime1">
               <a:rPr lang="en-US" smtClean="0"/>
-              <a:t>1/25/15</a:t>
+              <a:t>2/18/15</a:t>
             </a:fld>
             <a:endParaRPr lang="en-US"/>
           </a:p>
@@ -5398,7 +5403,7 @@
           <a:p>
             <a:fld id="{3B13B7C4-28A5-CB48-9F90-61EEE4FDDD8B}" type="datetime1">
               <a:rPr lang="en-US" smtClean="0"/>
-              <a:t>1/25/15</a:t>
+              <a:t>2/18/15</a:t>
             </a:fld>
             <a:endParaRPr lang="en-US"/>
           </a:p>
@@ -5709,7 +5714,7 @@
           <a:p>
             <a:fld id="{FB820ADC-A989-0B43-894B-CC8B88A6A058}" type="datetime1">
               <a:rPr lang="en-US" smtClean="0"/>
-              <a:t>1/25/15</a:t>
+              <a:t>2/18/15</a:t>
             </a:fld>
             <a:endParaRPr lang="en-US"/>
           </a:p>
@@ -5969,7 +5974,7 @@
           <a:p>
             <a:fld id="{6EFD7B0D-1D9A-AA44-8AA0-36F432394321}" type="datetime1">
               <a:rPr lang="en-US" smtClean="0"/>
-              <a:t>1/25/15</a:t>
+              <a:t>2/18/15</a:t>
             </a:fld>
             <a:endParaRPr lang="en-US"/>
           </a:p>
@@ -6362,7 +6367,7 @@
           <a:p>
             <a:fld id="{8391D6BE-CC5A-F441-BF5C-132B93EAE0B9}" type="datetime1">
               <a:rPr lang="en-US" smtClean="0"/>
-              <a:t>1/25/15</a:t>
+              <a:t>2/18/15</a:t>
             </a:fld>
             <a:endParaRPr lang="en-US"/>
           </a:p>
@@ -6955,7 +6960,7 @@
           <a:p>
             <a:fld id="{7F9E5D33-2821-C642-A5E0-67CD027085C0}" type="datetime1">
               <a:rPr lang="en-US" smtClean="0"/>
-              <a:t>1/25/15</a:t>
+              <a:t>2/18/15</a:t>
             </a:fld>
             <a:endParaRPr lang="en-US"/>
           </a:p>
@@ -7474,7 +7479,7 @@
           <a:p>
             <a:fld id="{B4EE926D-75E4-7C4A-80EF-E6F745BAF0A6}" type="datetime1">
               <a:rPr lang="en-US" smtClean="0"/>
-              <a:t>1/25/15</a:t>
+              <a:t>2/18/15</a:t>
             </a:fld>
             <a:endParaRPr lang="en-US"/>
           </a:p>
@@ -7851,7 +7856,7 @@
           <a:p>
             <a:fld id="{1799AEC9-6A91-FD48-8C26-85D761A9AB9A}" type="datetime1">
               <a:rPr lang="en-US" smtClean="0"/>
-              <a:t>1/25/15</a:t>
+              <a:t>2/18/15</a:t>
             </a:fld>
             <a:endParaRPr lang="en-US"/>
           </a:p>
@@ -8254,7 +8259,7 @@
           <a:p>
             <a:fld id="{72AB3F87-F2CF-AA47-8A3C-25D7BBB8800D}" type="datetime1">
               <a:rPr lang="en-US" smtClean="0"/>
-              <a:t>1/25/15</a:t>
+              <a:t>2/18/15</a:t>
             </a:fld>
             <a:endParaRPr lang="en-US"/>
           </a:p>
@@ -8678,7 +8683,7 @@
           <a:p>
             <a:fld id="{017A4C3A-78B7-E146-B561-C5924296E830}" type="datetime1">
               <a:rPr lang="en-US" smtClean="0"/>
-              <a:t>1/25/15</a:t>
+              <a:t>2/18/15</a:t>
             </a:fld>
             <a:endParaRPr lang="en-US"/>
           </a:p>
@@ -9065,7 +9070,7 @@
           <a:p>
             <a:fld id="{9F7D4429-93BD-BC4F-94A7-C9B3C2CD0DC0}" type="datetime1">
               <a:rPr lang="en-US" smtClean="0"/>
-              <a:t>1/25/15</a:t>
+              <a:t>2/18/15</a:t>
             </a:fld>
             <a:endParaRPr lang="en-US"/>
           </a:p>
@@ -9643,6 +9648,809 @@
       </p:grpSpPr>
       <p:sp>
         <p:nvSpPr>
+          <p:cNvPr id="16385" name="Title 1"/>
+          <p:cNvSpPr>
+            <a:spLocks noGrp="1"/>
+          </p:cNvSpPr>
+          <p:nvPr>
+            <p:ph type="title"/>
+          </p:nvPr>
+        </p:nvSpPr>
+        <p:spPr/>
+        <p:txBody>
+          <a:bodyPr/>
+          <a:lstStyle/>
+          <a:p>
+            <a:r>
+              <a:rPr lang="en-US" dirty="0" smtClean="0"/>
+              <a:t>Hadoop + Yarn : Universal OS for Distributed Compute</a:t>
+            </a:r>
+            <a:endParaRPr lang="en-US" dirty="0">
+              <a:latin typeface="Arial" charset="0"/>
+            </a:endParaRPr>
+          </a:p>
+        </p:txBody>
+      </p:sp>
+      <p:sp>
+        <p:nvSpPr>
+          <p:cNvPr id="16386" name="Content Placeholder 2"/>
+          <p:cNvSpPr>
+            <a:spLocks noGrp="1"/>
+          </p:cNvSpPr>
+          <p:nvPr>
+            <p:ph idx="1"/>
+          </p:nvPr>
+        </p:nvSpPr>
+        <p:spPr/>
+        <p:txBody>
+          <a:bodyPr/>
+          <a:lstStyle/>
+          <a:p>
+            <a:endParaRPr lang="en-US" dirty="0">
+              <a:latin typeface="Arial" charset="0"/>
+            </a:endParaRPr>
+          </a:p>
+        </p:txBody>
+      </p:sp>
+      <p:sp>
+        <p:nvSpPr>
+          <p:cNvPr id="4" name="Rectangle 3"/>
+          <p:cNvSpPr/>
+          <p:nvPr/>
+        </p:nvSpPr>
+        <p:spPr>
+          <a:xfrm>
+            <a:off x="685800" y="4800600"/>
+            <a:ext cx="5943600" cy="496888"/>
+          </a:xfrm>
+          <a:prstGeom prst="rect">
+            <a:avLst/>
+          </a:prstGeom>
+        </p:spPr>
+        <p:style>
+          <a:lnRef idx="1">
+            <a:schemeClr val="accent1"/>
+          </a:lnRef>
+          <a:fillRef idx="3">
+            <a:schemeClr val="accent1"/>
+          </a:fillRef>
+          <a:effectRef idx="2">
+            <a:schemeClr val="accent1"/>
+          </a:effectRef>
+          <a:fontRef idx="minor">
+            <a:schemeClr val="lt1"/>
+          </a:fontRef>
+        </p:style>
+        <p:txBody>
+          <a:bodyPr anchor="ctr"/>
+          <a:lstStyle/>
+          <a:p>
+            <a:pPr algn="ctr">
+              <a:defRPr/>
+            </a:pPr>
+            <a:r>
+              <a:rPr lang="en-US" dirty="0">
+                <a:solidFill>
+                  <a:srgbClr val="000000"/>
+                </a:solidFill>
+              </a:rPr>
+              <a:t>HDFS</a:t>
+            </a:r>
+          </a:p>
+        </p:txBody>
+      </p:sp>
+      <p:sp>
+        <p:nvSpPr>
+          <p:cNvPr id="5" name="Rounded Rectangle 4"/>
+          <p:cNvSpPr/>
+          <p:nvPr/>
+        </p:nvSpPr>
+        <p:spPr>
+          <a:xfrm>
+            <a:off x="685800" y="3886200"/>
+            <a:ext cx="5943600" cy="746125"/>
+          </a:xfrm>
+          <a:prstGeom prst="roundRect">
+            <a:avLst/>
+          </a:prstGeom>
+        </p:spPr>
+        <p:style>
+          <a:lnRef idx="2">
+            <a:schemeClr val="accent5">
+              <a:shade val="50000"/>
+            </a:schemeClr>
+          </a:lnRef>
+          <a:fillRef idx="1">
+            <a:schemeClr val="accent5"/>
+          </a:fillRef>
+          <a:effectRef idx="0">
+            <a:schemeClr val="accent5"/>
+          </a:effectRef>
+          <a:fontRef idx="minor">
+            <a:schemeClr val="lt1"/>
+          </a:fontRef>
+        </p:style>
+        <p:txBody>
+          <a:bodyPr anchor="ctr"/>
+          <a:lstStyle/>
+          <a:p>
+            <a:pPr algn="ctr">
+              <a:defRPr/>
+            </a:pPr>
+            <a:r>
+              <a:rPr lang="en-US" dirty="0">
+                <a:solidFill>
+                  <a:srgbClr val="000000"/>
+                </a:solidFill>
+              </a:rPr>
+              <a:t>YARN</a:t>
+            </a:r>
+          </a:p>
+        </p:txBody>
+      </p:sp>
+      <p:sp>
+        <p:nvSpPr>
+          <p:cNvPr id="6" name="Snip Diagonal Corner Rectangle 5"/>
+          <p:cNvSpPr/>
+          <p:nvPr/>
+        </p:nvSpPr>
+        <p:spPr>
+          <a:xfrm>
+            <a:off x="914400" y="2895600"/>
+            <a:ext cx="1656470" cy="603250"/>
+          </a:xfrm>
+          <a:prstGeom prst="snip2DiagRect">
+            <a:avLst/>
+          </a:prstGeom>
+        </p:spPr>
+        <p:style>
+          <a:lnRef idx="2">
+            <a:schemeClr val="accent6">
+              <a:shade val="50000"/>
+            </a:schemeClr>
+          </a:lnRef>
+          <a:fillRef idx="1">
+            <a:schemeClr val="accent6"/>
+          </a:fillRef>
+          <a:effectRef idx="0">
+            <a:schemeClr val="accent6"/>
+          </a:effectRef>
+          <a:fontRef idx="minor">
+            <a:schemeClr val="lt1"/>
+          </a:fontRef>
+        </p:style>
+        <p:txBody>
+          <a:bodyPr anchor="ctr"/>
+          <a:lstStyle/>
+          <a:p>
+            <a:pPr algn="ctr">
+              <a:defRPr/>
+            </a:pPr>
+            <a:r>
+              <a:rPr lang="en-US" dirty="0"/>
+              <a:t>Batch</a:t>
+            </a:r>
+          </a:p>
+          <a:p>
+            <a:pPr algn="ctr">
+              <a:defRPr/>
+            </a:pPr>
+            <a:r>
+              <a:rPr lang="en-US" dirty="0"/>
+              <a:t>(</a:t>
+            </a:r>
+            <a:r>
+              <a:rPr lang="en-US" dirty="0" err="1"/>
+              <a:t>mapreduce</a:t>
+            </a:r>
+            <a:r>
+              <a:rPr lang="en-US" dirty="0"/>
+              <a:t>)</a:t>
+            </a:r>
+          </a:p>
+        </p:txBody>
+      </p:sp>
+      <p:sp>
+        <p:nvSpPr>
+          <p:cNvPr id="7" name="Snip Diagonal Corner Rectangle 6"/>
+          <p:cNvSpPr/>
+          <p:nvPr/>
+        </p:nvSpPr>
+        <p:spPr>
+          <a:xfrm>
+            <a:off x="3048000" y="2895600"/>
+            <a:ext cx="1403350" cy="604838"/>
+          </a:xfrm>
+          <a:prstGeom prst="snip2DiagRect">
+            <a:avLst/>
+          </a:prstGeom>
+        </p:spPr>
+        <p:style>
+          <a:lnRef idx="2">
+            <a:schemeClr val="accent6">
+              <a:shade val="50000"/>
+            </a:schemeClr>
+          </a:lnRef>
+          <a:fillRef idx="1">
+            <a:schemeClr val="accent6"/>
+          </a:fillRef>
+          <a:effectRef idx="0">
+            <a:schemeClr val="accent6"/>
+          </a:effectRef>
+          <a:fontRef idx="minor">
+            <a:schemeClr val="lt1"/>
+          </a:fontRef>
+        </p:style>
+        <p:txBody>
+          <a:bodyPr anchor="ctr"/>
+          <a:lstStyle/>
+          <a:p>
+            <a:pPr algn="ctr">
+              <a:defRPr/>
+            </a:pPr>
+            <a:r>
+              <a:rPr lang="en-US" dirty="0"/>
+              <a:t>Streaming</a:t>
+            </a:r>
+          </a:p>
+          <a:p>
+            <a:pPr algn="ctr">
+              <a:defRPr/>
+            </a:pPr>
+            <a:r>
+              <a:rPr lang="en-US" dirty="0"/>
+              <a:t>(storm, S4)</a:t>
+            </a:r>
+          </a:p>
+        </p:txBody>
+      </p:sp>
+      <p:sp>
+        <p:nvSpPr>
+          <p:cNvPr id="8" name="Snip Diagonal Corner Rectangle 7"/>
+          <p:cNvSpPr/>
+          <p:nvPr/>
+        </p:nvSpPr>
+        <p:spPr>
+          <a:xfrm>
+            <a:off x="5029200" y="2895600"/>
+            <a:ext cx="1600200" cy="603250"/>
+          </a:xfrm>
+          <a:prstGeom prst="snip2DiagRect">
+            <a:avLst/>
+          </a:prstGeom>
+        </p:spPr>
+        <p:style>
+          <a:lnRef idx="2">
+            <a:schemeClr val="accent6">
+              <a:shade val="50000"/>
+            </a:schemeClr>
+          </a:lnRef>
+          <a:fillRef idx="1">
+            <a:schemeClr val="accent6"/>
+          </a:fillRef>
+          <a:effectRef idx="0">
+            <a:schemeClr val="accent6"/>
+          </a:effectRef>
+          <a:fontRef idx="minor">
+            <a:schemeClr val="lt1"/>
+          </a:fontRef>
+        </p:style>
+        <p:txBody>
+          <a:bodyPr anchor="ctr"/>
+          <a:lstStyle/>
+          <a:p>
+            <a:pPr algn="ctr">
+              <a:defRPr/>
+            </a:pPr>
+            <a:r>
+              <a:rPr lang="en-US" dirty="0"/>
+              <a:t>In-memory</a:t>
+            </a:r>
+          </a:p>
+          <a:p>
+            <a:pPr algn="ctr">
+              <a:defRPr/>
+            </a:pPr>
+            <a:r>
+              <a:rPr lang="en-US" dirty="0"/>
+              <a:t>(spark)</a:t>
+            </a:r>
+          </a:p>
+        </p:txBody>
+      </p:sp>
+      <p:sp>
+        <p:nvSpPr>
+          <p:cNvPr id="2" name="Rectangular Callout 1"/>
+          <p:cNvSpPr/>
+          <p:nvPr/>
+        </p:nvSpPr>
+        <p:spPr>
+          <a:xfrm>
+            <a:off x="7239000" y="4724400"/>
+            <a:ext cx="1385192" cy="612775"/>
+          </a:xfrm>
+          <a:prstGeom prst="wedgeRectCallout">
+            <a:avLst>
+              <a:gd name="adj1" fmla="val -118523"/>
+              <a:gd name="adj2" fmla="val 4532"/>
+            </a:avLst>
+          </a:prstGeom>
+          <a:solidFill>
+            <a:srgbClr val="FFFF00"/>
+          </a:solidFill>
+        </p:spPr>
+        <p:style>
+          <a:lnRef idx="1">
+            <a:schemeClr val="accent1"/>
+          </a:lnRef>
+          <a:fillRef idx="3">
+            <a:schemeClr val="accent1"/>
+          </a:fillRef>
+          <a:effectRef idx="2">
+            <a:schemeClr val="accent1"/>
+          </a:effectRef>
+          <a:fontRef idx="minor">
+            <a:schemeClr val="lt1"/>
+          </a:fontRef>
+        </p:style>
+        <p:txBody>
+          <a:bodyPr anchor="ctr"/>
+          <a:lstStyle/>
+          <a:p>
+            <a:pPr algn="ctr">
+              <a:defRPr/>
+            </a:pPr>
+            <a:r>
+              <a:rPr lang="en-US" dirty="0">
+                <a:solidFill>
+                  <a:srgbClr val="000000"/>
+                </a:solidFill>
+              </a:rPr>
+              <a:t>Storage</a:t>
+            </a:r>
+          </a:p>
+        </p:txBody>
+      </p:sp>
+      <p:sp>
+        <p:nvSpPr>
+          <p:cNvPr id="10" name="Rectangular Callout 9"/>
+          <p:cNvSpPr/>
+          <p:nvPr/>
+        </p:nvSpPr>
+        <p:spPr>
+          <a:xfrm>
+            <a:off x="7239000" y="3962400"/>
+            <a:ext cx="1538830" cy="612775"/>
+          </a:xfrm>
+          <a:prstGeom prst="wedgeRectCallout">
+            <a:avLst>
+              <a:gd name="adj1" fmla="val -91106"/>
+              <a:gd name="adj2" fmla="val -4251"/>
+            </a:avLst>
+          </a:prstGeom>
+          <a:solidFill>
+            <a:srgbClr val="FFFF00"/>
+          </a:solidFill>
+        </p:spPr>
+        <p:style>
+          <a:lnRef idx="1">
+            <a:schemeClr val="accent1"/>
+          </a:lnRef>
+          <a:fillRef idx="3">
+            <a:schemeClr val="accent1"/>
+          </a:fillRef>
+          <a:effectRef idx="2">
+            <a:schemeClr val="accent1"/>
+          </a:effectRef>
+          <a:fontRef idx="minor">
+            <a:schemeClr val="lt1"/>
+          </a:fontRef>
+        </p:style>
+        <p:txBody>
+          <a:bodyPr anchor="ctr"/>
+          <a:lstStyle/>
+          <a:p>
+            <a:pPr algn="ctr">
+              <a:defRPr/>
+            </a:pPr>
+            <a:r>
+              <a:rPr lang="en-US" dirty="0">
+                <a:solidFill>
+                  <a:srgbClr val="000000"/>
+                </a:solidFill>
+              </a:rPr>
+              <a:t>Cluster</a:t>
+            </a:r>
+          </a:p>
+          <a:p>
+            <a:pPr algn="ctr">
+              <a:defRPr/>
+            </a:pPr>
+            <a:r>
+              <a:rPr lang="en-US" dirty="0">
+                <a:solidFill>
+                  <a:srgbClr val="000000"/>
+                </a:solidFill>
+              </a:rPr>
+              <a:t>Management</a:t>
+            </a:r>
+          </a:p>
+        </p:txBody>
+      </p:sp>
+      <p:sp>
+        <p:nvSpPr>
+          <p:cNvPr id="11" name="Rectangular Callout 10"/>
+          <p:cNvSpPr/>
+          <p:nvPr/>
+        </p:nvSpPr>
+        <p:spPr>
+          <a:xfrm>
+            <a:off x="7086599" y="2971800"/>
+            <a:ext cx="1537593" cy="612775"/>
+          </a:xfrm>
+          <a:prstGeom prst="wedgeRectCallout">
+            <a:avLst>
+              <a:gd name="adj1" fmla="val -91106"/>
+              <a:gd name="adj2" fmla="val -4251"/>
+            </a:avLst>
+          </a:prstGeom>
+          <a:solidFill>
+            <a:srgbClr val="FFFF00"/>
+          </a:solidFill>
+        </p:spPr>
+        <p:style>
+          <a:lnRef idx="1">
+            <a:schemeClr val="accent1"/>
+          </a:lnRef>
+          <a:fillRef idx="3">
+            <a:schemeClr val="accent1"/>
+          </a:fillRef>
+          <a:effectRef idx="2">
+            <a:schemeClr val="accent1"/>
+          </a:effectRef>
+          <a:fontRef idx="minor">
+            <a:schemeClr val="lt1"/>
+          </a:fontRef>
+        </p:style>
+        <p:txBody>
+          <a:bodyPr anchor="ctr"/>
+          <a:lstStyle/>
+          <a:p>
+            <a:pPr algn="ctr">
+              <a:defRPr/>
+            </a:pPr>
+            <a:r>
+              <a:rPr lang="en-US" dirty="0">
+                <a:solidFill>
+                  <a:srgbClr val="000000"/>
+                </a:solidFill>
+              </a:rPr>
+              <a:t>Applications</a:t>
+            </a:r>
+          </a:p>
+        </p:txBody>
+      </p:sp>
+    </p:spTree>
+    <p:extLst>
+      <p:ext uri="{BB962C8B-B14F-4D97-AF65-F5344CB8AC3E}">
+        <p14:creationId xmlns:p14="http://schemas.microsoft.com/office/powerpoint/2010/main" val="3253020857"/>
+      </p:ext>
+    </p:extLst>
+  </p:cSld>
+  <p:clrMapOvr>
+    <a:masterClrMapping/>
+  </p:clrMapOvr>
+  <p:timing>
+    <p:tnLst>
+      <p:par>
+        <p:cTn xmlns:p14="http://schemas.microsoft.com/office/powerpoint/2010/main" id="1" dur="indefinite" restart="never" nodeType="tmRoot"/>
+      </p:par>
+    </p:tnLst>
+  </p:timing>
+</p:sld>
+</file>
+
+<file path=ppt/slides/slide11.xml><?xml version="1.0" encoding="utf-8"?>
+<p:sld xmlns:a="http://schemas.openxmlformats.org/drawingml/2006/main" xmlns:r="http://schemas.openxmlformats.org/officeDocument/2006/relationships" xmlns:p="http://schemas.openxmlformats.org/presentationml/2006/main">
+  <p:cSld>
+    <p:spTree>
+      <p:nvGrpSpPr>
+        <p:cNvPr id="1" name=""/>
+        <p:cNvGrpSpPr/>
+        <p:nvPr/>
+      </p:nvGrpSpPr>
+      <p:grpSpPr>
+        <a:xfrm>
+          <a:off x="0" y="0"/>
+          <a:ext cx="0" cy="0"/>
+          <a:chOff x="0" y="0"/>
+          <a:chExt cx="0" cy="0"/>
+        </a:xfrm>
+      </p:grpSpPr>
+      <p:sp>
+        <p:nvSpPr>
+          <p:cNvPr id="2" name="Title 1"/>
+          <p:cNvSpPr>
+            <a:spLocks noGrp="1"/>
+          </p:cNvSpPr>
+          <p:nvPr>
+            <p:ph type="title"/>
+          </p:nvPr>
+        </p:nvSpPr>
+        <p:spPr/>
+        <p:txBody>
+          <a:bodyPr/>
+          <a:lstStyle/>
+          <a:p>
+            <a:r>
+              <a:rPr lang="en-US" dirty="0" smtClean="0"/>
+              <a:t>Spark </a:t>
+            </a:r>
+            <a:r>
+              <a:rPr lang="en-US" dirty="0" err="1" smtClean="0"/>
+              <a:t>Vs</a:t>
+            </a:r>
+            <a:r>
+              <a:rPr lang="en-US" dirty="0" smtClean="0"/>
+              <a:t> Hadoop</a:t>
+            </a:r>
+            <a:endParaRPr lang="en-US" dirty="0"/>
+          </a:p>
+        </p:txBody>
+      </p:sp>
+      <p:sp>
+        <p:nvSpPr>
+          <p:cNvPr id="3" name="Content Placeholder 2"/>
+          <p:cNvSpPr>
+            <a:spLocks noGrp="1"/>
+          </p:cNvSpPr>
+          <p:nvPr>
+            <p:ph idx="1"/>
+          </p:nvPr>
+        </p:nvSpPr>
+        <p:spPr/>
+        <p:txBody>
+          <a:bodyPr>
+            <a:normAutofit/>
+          </a:bodyPr>
+          <a:lstStyle/>
+          <a:p>
+            <a:r>
+              <a:rPr lang="en-US" dirty="0"/>
+              <a:t>Spark is ‘easier’ than Hadoop</a:t>
+            </a:r>
+          </a:p>
+          <a:p>
+            <a:r>
+              <a:rPr lang="en-US" dirty="0"/>
+              <a:t>‘friendlier’ for data scientists / analysts</a:t>
+            </a:r>
+          </a:p>
+          <a:p>
+            <a:pPr lvl="1"/>
+            <a:r>
+              <a:rPr lang="en-US" dirty="0"/>
+              <a:t>Interactive shell </a:t>
+            </a:r>
+          </a:p>
+          <a:p>
+            <a:pPr lvl="2"/>
+            <a:r>
+              <a:rPr lang="en-US" dirty="0"/>
+              <a:t>fast development cycles</a:t>
+            </a:r>
+          </a:p>
+          <a:p>
+            <a:pPr lvl="2"/>
+            <a:r>
+              <a:rPr lang="en-US" dirty="0" err="1"/>
+              <a:t>adhoc</a:t>
+            </a:r>
+            <a:r>
+              <a:rPr lang="en-US" dirty="0"/>
+              <a:t> exploration</a:t>
+            </a:r>
+          </a:p>
+          <a:p>
+            <a:r>
+              <a:rPr lang="en-US" dirty="0"/>
+              <a:t>API supports multiple languages</a:t>
+            </a:r>
+          </a:p>
+          <a:p>
+            <a:pPr lvl="1"/>
+            <a:r>
+              <a:rPr lang="en-US" dirty="0"/>
+              <a:t>Java, </a:t>
+            </a:r>
+            <a:r>
+              <a:rPr lang="en-US" dirty="0" err="1"/>
+              <a:t>Scala</a:t>
+            </a:r>
+            <a:r>
+              <a:rPr lang="en-US" dirty="0"/>
+              <a:t>, Python</a:t>
+            </a:r>
+          </a:p>
+          <a:p>
+            <a:r>
+              <a:rPr lang="en-US" dirty="0"/>
+              <a:t>Great for small (Gigs) to medium (100s of Gigs) data</a:t>
+            </a:r>
+          </a:p>
+          <a:p>
+            <a:endParaRPr lang="en-US" dirty="0"/>
+          </a:p>
+        </p:txBody>
+      </p:sp>
+      <p:sp>
+        <p:nvSpPr>
+          <p:cNvPr id="4" name="Footer Placeholder 3"/>
+          <p:cNvSpPr>
+            <a:spLocks noGrp="1"/>
+          </p:cNvSpPr>
+          <p:nvPr>
+            <p:ph type="ftr" sz="quarter" idx="11"/>
+          </p:nvPr>
+        </p:nvSpPr>
+        <p:spPr/>
+        <p:txBody>
+          <a:bodyPr/>
+          <a:lstStyle/>
+          <a:p>
+            <a:r>
+              <a:rPr lang="en-US" smtClean="0"/>
+              <a:t>© Elephant Scale, 2014</a:t>
+            </a:r>
+            <a:endParaRPr lang="en-US" dirty="0"/>
+          </a:p>
+        </p:txBody>
+      </p:sp>
+    </p:spTree>
+    <p:extLst>
+      <p:ext uri="{BB962C8B-B14F-4D97-AF65-F5344CB8AC3E}">
+        <p14:creationId xmlns:p14="http://schemas.microsoft.com/office/powerpoint/2010/main" val="1597985223"/>
+      </p:ext>
+    </p:extLst>
+  </p:cSld>
+  <p:clrMapOvr>
+    <a:masterClrMapping/>
+  </p:clrMapOvr>
+</p:sld>
+</file>
+
+<file path=ppt/slides/slide12.xml><?xml version="1.0" encoding="utf-8"?>
+<p:sld xmlns:a="http://schemas.openxmlformats.org/drawingml/2006/main" xmlns:r="http://schemas.openxmlformats.org/officeDocument/2006/relationships" xmlns:p="http://schemas.openxmlformats.org/presentationml/2006/main">
+  <p:cSld>
+    <p:spTree>
+      <p:nvGrpSpPr>
+        <p:cNvPr id="1" name=""/>
+        <p:cNvGrpSpPr/>
+        <p:nvPr/>
+      </p:nvGrpSpPr>
+      <p:grpSpPr>
+        <a:xfrm>
+          <a:off x="0" y="0"/>
+          <a:ext cx="0" cy="0"/>
+          <a:chOff x="0" y="0"/>
+          <a:chExt cx="0" cy="0"/>
+        </a:xfrm>
+      </p:grpSpPr>
+      <p:sp>
+        <p:nvSpPr>
+          <p:cNvPr id="2" name="Title 1"/>
+          <p:cNvSpPr>
+            <a:spLocks noGrp="1"/>
+          </p:cNvSpPr>
+          <p:nvPr>
+            <p:ph type="title"/>
+          </p:nvPr>
+        </p:nvSpPr>
+        <p:spPr/>
+        <p:txBody>
+          <a:bodyPr/>
+          <a:lstStyle/>
+          <a:p>
+            <a:r>
+              <a:rPr lang="en-US" dirty="0" smtClean="0"/>
+              <a:t>Spark Is Better Fit for Iterative Workloads</a:t>
+            </a:r>
+            <a:endParaRPr lang="en-US" dirty="0"/>
+          </a:p>
+        </p:txBody>
+      </p:sp>
+      <p:pic>
+        <p:nvPicPr>
+          <p:cNvPr id="5" name="Content Placeholder 4" descr="mr_vs_spark.png"/>
+          <p:cNvPicPr>
+            <a:picLocks noGrp="1" noChangeAspect="1"/>
+          </p:cNvPicPr>
+          <p:nvPr>
+            <p:ph idx="1"/>
+          </p:nvPr>
+        </p:nvPicPr>
+        <p:blipFill>
+          <a:blip r:embed="rId3">
+            <a:extLst>
+              <a:ext uri="{28A0092B-C50C-407E-A947-70E740481C1C}">
+                <a14:useLocalDpi xmlns:a14="http://schemas.microsoft.com/office/drawing/2010/main" val="0"/>
+              </a:ext>
+            </a:extLst>
+          </a:blip>
+          <a:srcRect l="-21679" r="-21679"/>
+          <a:stretch>
+            <a:fillRect/>
+          </a:stretch>
+        </p:blipFill>
+        <p:spPr>
+          <a:xfrm>
+            <a:off x="498475" y="1981200"/>
+            <a:ext cx="7556500" cy="4144963"/>
+          </a:xfrm>
+        </p:spPr>
+      </p:pic>
+      <p:sp>
+        <p:nvSpPr>
+          <p:cNvPr id="4" name="Footer Placeholder 3"/>
+          <p:cNvSpPr>
+            <a:spLocks noGrp="1"/>
+          </p:cNvSpPr>
+          <p:nvPr>
+            <p:ph type="ftr" sz="quarter" idx="11"/>
+          </p:nvPr>
+        </p:nvSpPr>
+        <p:spPr/>
+        <p:txBody>
+          <a:bodyPr/>
+          <a:lstStyle/>
+          <a:p>
+            <a:r>
+              <a:rPr lang="en-US" smtClean="0"/>
+              <a:t>© Elephant Scale, 2014</a:t>
+            </a:r>
+            <a:endParaRPr lang="en-US" dirty="0"/>
+          </a:p>
+        </p:txBody>
+      </p:sp>
+    </p:spTree>
+    <p:extLst>
+      <p:ext uri="{BB962C8B-B14F-4D97-AF65-F5344CB8AC3E}">
+        <p14:creationId xmlns:p14="http://schemas.microsoft.com/office/powerpoint/2010/main" val="2829251357"/>
+      </p:ext>
+    </p:extLst>
+  </p:cSld>
+  <p:clrMapOvr>
+    <a:masterClrMapping/>
+  </p:clrMapOvr>
+  <p:timing>
+    <p:tnLst>
+      <p:par>
+        <p:cTn xmlns:p14="http://schemas.microsoft.com/office/powerpoint/2010/main" id="1" dur="indefinite" restart="never" nodeType="tmRoot"/>
+      </p:par>
+    </p:tnLst>
+  </p:timing>
+</p:sld>
+</file>
+
+<file path=ppt/slides/slide13.xml><?xml version="1.0" encoding="utf-8"?>
+<p:sld xmlns:a="http://schemas.openxmlformats.org/drawingml/2006/main" xmlns:r="http://schemas.openxmlformats.org/officeDocument/2006/relationships" xmlns:p="http://schemas.openxmlformats.org/presentationml/2006/main">
+  <p:cSld>
+    <p:spTree>
+      <p:nvGrpSpPr>
+        <p:cNvPr id="1" name=""/>
+        <p:cNvGrpSpPr/>
+        <p:nvPr/>
+      </p:nvGrpSpPr>
+      <p:grpSpPr>
+        <a:xfrm>
+          <a:off x="0" y="0"/>
+          <a:ext cx="0" cy="0"/>
+          <a:chOff x="0" y="0"/>
+          <a:chExt cx="0" cy="0"/>
+        </a:xfrm>
+      </p:grpSpPr>
+      <p:sp>
+        <p:nvSpPr>
           <p:cNvPr id="2" name="Title 1"/>
           <p:cNvSpPr>
             <a:spLocks noGrp="1"/>
@@ -9765,7 +10573,7 @@
 </p:sld>
 </file>
 
-<file path=ppt/slides/slide11.xml><?xml version="1.0" encoding="utf-8"?>
+<file path=ppt/slides/slide14.xml><?xml version="1.0" encoding="utf-8"?>
 <p:sld xmlns:a="http://schemas.openxmlformats.org/drawingml/2006/main" xmlns:r="http://schemas.openxmlformats.org/officeDocument/2006/relationships" xmlns:p="http://schemas.openxmlformats.org/presentationml/2006/main">
   <p:cSld>
     <p:spTree>
@@ -9896,7 +10704,7 @@
 </p:sld>
 </file>
 
-<file path=ppt/slides/slide12.xml><?xml version="1.0" encoding="utf-8"?>
+<file path=ppt/slides/slide15.xml><?xml version="1.0" encoding="utf-8"?>
 <p:sld xmlns:a="http://schemas.openxmlformats.org/drawingml/2006/main" xmlns:r="http://schemas.openxmlformats.org/officeDocument/2006/relationships" xmlns:p="http://schemas.openxmlformats.org/presentationml/2006/main">
   <p:cSld>
     <p:spTree>
@@ -10221,7 +11029,7 @@
 </p:sld>
 </file>
 
-<file path=ppt/slides/slide13.xml><?xml version="1.0" encoding="utf-8"?>
+<file path=ppt/slides/slide16.xml><?xml version="1.0" encoding="utf-8"?>
 <p:sld xmlns:a="http://schemas.openxmlformats.org/drawingml/2006/main" xmlns:r="http://schemas.openxmlformats.org/officeDocument/2006/relationships" xmlns:p="http://schemas.openxmlformats.org/presentationml/2006/main">
   <p:cSld>
     <p:spTree>
@@ -10418,7 +11226,7 @@
 </p:sld>
 </file>
 
-<file path=ppt/slides/slide14.xml><?xml version="1.0" encoding="utf-8"?>
+<file path=ppt/slides/slide17.xml><?xml version="1.0" encoding="utf-8"?>
 <p:sld xmlns:a="http://schemas.openxmlformats.org/drawingml/2006/main" xmlns:r="http://schemas.openxmlformats.org/officeDocument/2006/relationships" xmlns:p="http://schemas.openxmlformats.org/presentationml/2006/main">
   <p:cSld>
     <p:spTree>
@@ -10584,7 +11392,7 @@
 </p:sld>
 </file>
 
-<file path=ppt/slides/slide15.xml><?xml version="1.0" encoding="utf-8"?>
+<file path=ppt/slides/slide18.xml><?xml version="1.0" encoding="utf-8"?>
 <p:sld xmlns:a="http://schemas.openxmlformats.org/drawingml/2006/main" xmlns:r="http://schemas.openxmlformats.org/officeDocument/2006/relationships" xmlns:p="http://schemas.openxmlformats.org/presentationml/2006/main">
   <p:cSld>
     <p:spTree>
@@ -11025,7 +11833,7 @@
 </p:sld>
 </file>
 
-<file path=ppt/slides/slide16.xml><?xml version="1.0" encoding="utf-8"?>
+<file path=ppt/slides/slide19.xml><?xml version="1.0" encoding="utf-8"?>
 <p:sld xmlns:a="http://schemas.openxmlformats.org/drawingml/2006/main" xmlns:r="http://schemas.openxmlformats.org/officeDocument/2006/relationships" xmlns:p="http://schemas.openxmlformats.org/presentationml/2006/main">
   <p:cSld>
     <p:spTree>
@@ -11385,353 +12193,6 @@
 </p:sld>
 </file>
 
-<file path=ppt/slides/slide17.xml><?xml version="1.0" encoding="utf-8"?>
-<p:sld xmlns:a="http://schemas.openxmlformats.org/drawingml/2006/main" xmlns:r="http://schemas.openxmlformats.org/officeDocument/2006/relationships" xmlns:p="http://schemas.openxmlformats.org/presentationml/2006/main">
-  <p:cSld>
-    <p:spTree>
-      <p:nvGrpSpPr>
-        <p:cNvPr id="1" name=""/>
-        <p:cNvGrpSpPr/>
-        <p:nvPr/>
-      </p:nvGrpSpPr>
-      <p:grpSpPr>
-        <a:xfrm>
-          <a:off x="0" y="0"/>
-          <a:ext cx="0" cy="0"/>
-          <a:chOff x="0" y="0"/>
-          <a:chExt cx="0" cy="0"/>
-        </a:xfrm>
-      </p:grpSpPr>
-      <p:sp>
-        <p:nvSpPr>
-          <p:cNvPr id="2" name="Title 1"/>
-          <p:cNvSpPr>
-            <a:spLocks noGrp="1"/>
-          </p:cNvSpPr>
-          <p:nvPr>
-            <p:ph type="title"/>
-          </p:nvPr>
-        </p:nvSpPr>
-        <p:spPr/>
-        <p:txBody>
-          <a:bodyPr/>
-          <a:lstStyle/>
-          <a:p>
-            <a:r>
-              <a:rPr lang="en-US" dirty="0" smtClean="0"/>
-              <a:t>‘One Ring to Rule Them All’</a:t>
-            </a:r>
-            <a:endParaRPr lang="en-US" dirty="0"/>
-          </a:p>
-        </p:txBody>
-      </p:sp>
-      <p:sp>
-        <p:nvSpPr>
-          <p:cNvPr id="3" name="Content Placeholder 2"/>
-          <p:cNvSpPr>
-            <a:spLocks noGrp="1"/>
-          </p:cNvSpPr>
-          <p:nvPr>
-            <p:ph idx="1"/>
-          </p:nvPr>
-        </p:nvSpPr>
-        <p:spPr/>
-        <p:txBody>
-          <a:bodyPr/>
-          <a:lstStyle/>
-          <a:p>
-            <a:r>
-              <a:rPr lang="en-US" dirty="0" smtClean="0"/>
-              <a:t>TODO : Insert picture from LOTR</a:t>
-            </a:r>
-            <a:endParaRPr lang="en-US" dirty="0"/>
-          </a:p>
-        </p:txBody>
-      </p:sp>
-      <p:sp>
-        <p:nvSpPr>
-          <p:cNvPr id="4" name="Footer Placeholder 3"/>
-          <p:cNvSpPr>
-            <a:spLocks noGrp="1"/>
-          </p:cNvSpPr>
-          <p:nvPr>
-            <p:ph type="ftr" sz="quarter" idx="11"/>
-          </p:nvPr>
-        </p:nvSpPr>
-        <p:spPr/>
-        <p:txBody>
-          <a:bodyPr/>
-          <a:lstStyle/>
-          <a:p>
-            <a:r>
-              <a:rPr lang="en-US" smtClean="0"/>
-              <a:t>© Elephant Scale, 2014</a:t>
-            </a:r>
-            <a:endParaRPr lang="en-US" dirty="0"/>
-          </a:p>
-        </p:txBody>
-      </p:sp>
-    </p:spTree>
-    <p:extLst>
-      <p:ext uri="{BB962C8B-B14F-4D97-AF65-F5344CB8AC3E}">
-        <p14:creationId xmlns:p14="http://schemas.microsoft.com/office/powerpoint/2010/main" val="2714863893"/>
-      </p:ext>
-    </p:extLst>
-  </p:cSld>
-  <p:clrMapOvr>
-    <a:masterClrMapping/>
-  </p:clrMapOvr>
-</p:sld>
-</file>
-
-<file path=ppt/slides/slide18.xml><?xml version="1.0" encoding="utf-8"?>
-<p:sld xmlns:a="http://schemas.openxmlformats.org/drawingml/2006/main" xmlns:r="http://schemas.openxmlformats.org/officeDocument/2006/relationships" xmlns:p="http://schemas.openxmlformats.org/presentationml/2006/main">
-  <p:cSld>
-    <p:spTree>
-      <p:nvGrpSpPr>
-        <p:cNvPr id="1" name=""/>
-        <p:cNvGrpSpPr/>
-        <p:nvPr/>
-      </p:nvGrpSpPr>
-      <p:grpSpPr>
-        <a:xfrm>
-          <a:off x="0" y="0"/>
-          <a:ext cx="0" cy="0"/>
-          <a:chOff x="0" y="0"/>
-          <a:chExt cx="0" cy="0"/>
-        </a:xfrm>
-      </p:grpSpPr>
-      <p:sp>
-        <p:nvSpPr>
-          <p:cNvPr id="2" name="Title 1"/>
-          <p:cNvSpPr>
-            <a:spLocks noGrp="1"/>
-          </p:cNvSpPr>
-          <p:nvPr>
-            <p:ph type="title"/>
-          </p:nvPr>
-        </p:nvSpPr>
-        <p:spPr/>
-        <p:txBody>
-          <a:bodyPr/>
-          <a:lstStyle/>
-          <a:p>
-            <a:r>
-              <a:rPr lang="en-US" dirty="0" smtClean="0"/>
-              <a:t>Spark Eco System</a:t>
-            </a:r>
-            <a:endParaRPr lang="en-US" dirty="0"/>
-          </a:p>
-        </p:txBody>
-      </p:sp>
-      <p:sp>
-        <p:nvSpPr>
-          <p:cNvPr id="3" name="Content Placeholder 2"/>
-          <p:cNvSpPr>
-            <a:spLocks noGrp="1"/>
-          </p:cNvSpPr>
-          <p:nvPr>
-            <p:ph idx="1"/>
-          </p:nvPr>
-        </p:nvSpPr>
-        <p:spPr/>
-        <p:txBody>
-          <a:bodyPr/>
-          <a:lstStyle/>
-          <a:p>
-            <a:r>
-              <a:rPr lang="en-US" dirty="0" smtClean="0"/>
-              <a:t>Apache top level project</a:t>
-            </a:r>
-          </a:p>
-          <a:p>
-            <a:r>
-              <a:rPr lang="en-US" dirty="0" err="1" smtClean="0"/>
-              <a:t>Databricks</a:t>
-            </a:r>
-            <a:r>
-              <a:rPr lang="en-US" dirty="0" smtClean="0"/>
-              <a:t> : supporting / developing spark</a:t>
-            </a:r>
-          </a:p>
-          <a:p>
-            <a:r>
-              <a:rPr lang="en-US" dirty="0" smtClean="0"/>
-              <a:t>Hadoop Vendors (</a:t>
-            </a:r>
-            <a:r>
-              <a:rPr lang="en-US" dirty="0" err="1" smtClean="0"/>
-              <a:t>Cloudera</a:t>
-            </a:r>
-            <a:r>
-              <a:rPr lang="en-US" dirty="0" smtClean="0"/>
-              <a:t> / Horton Works)</a:t>
-            </a:r>
-          </a:p>
-          <a:p>
-            <a:pPr lvl="1"/>
-            <a:r>
-              <a:rPr lang="en-US" dirty="0" smtClean="0"/>
-              <a:t>Supporting Spark in their distributions</a:t>
-            </a:r>
-          </a:p>
-          <a:p>
-            <a:r>
-              <a:rPr lang="en-US" dirty="0" smtClean="0"/>
-              <a:t>Community</a:t>
-            </a:r>
-          </a:p>
-          <a:p>
-            <a:pPr lvl="1"/>
-            <a:r>
-              <a:rPr lang="en-US" dirty="0" smtClean="0"/>
-              <a:t>Active, fast growing community</a:t>
-            </a:r>
-          </a:p>
-          <a:p>
-            <a:r>
-              <a:rPr lang="en-US" dirty="0" smtClean="0"/>
-              <a:t>Spark packages Repository</a:t>
-            </a:r>
-            <a:endParaRPr lang="en-US" dirty="0"/>
-          </a:p>
-        </p:txBody>
-      </p:sp>
-      <p:sp>
-        <p:nvSpPr>
-          <p:cNvPr id="4" name="Footer Placeholder 3"/>
-          <p:cNvSpPr>
-            <a:spLocks noGrp="1"/>
-          </p:cNvSpPr>
-          <p:nvPr>
-            <p:ph type="ftr" sz="quarter" idx="11"/>
-          </p:nvPr>
-        </p:nvSpPr>
-        <p:spPr/>
-        <p:txBody>
-          <a:bodyPr/>
-          <a:lstStyle/>
-          <a:p>
-            <a:r>
-              <a:rPr lang="en-US" smtClean="0"/>
-              <a:t>© Elephant Scale, 2014</a:t>
-            </a:r>
-            <a:endParaRPr lang="en-US" dirty="0"/>
-          </a:p>
-        </p:txBody>
-      </p:sp>
-    </p:spTree>
-    <p:extLst>
-      <p:ext uri="{BB962C8B-B14F-4D97-AF65-F5344CB8AC3E}">
-        <p14:creationId xmlns:p14="http://schemas.microsoft.com/office/powerpoint/2010/main" val="967235441"/>
-      </p:ext>
-    </p:extLst>
-  </p:cSld>
-  <p:clrMapOvr>
-    <a:masterClrMapping/>
-  </p:clrMapOvr>
-</p:sld>
-</file>
-
-<file path=ppt/slides/slide19.xml><?xml version="1.0" encoding="utf-8"?>
-<p:sld xmlns:a="http://schemas.openxmlformats.org/drawingml/2006/main" xmlns:r="http://schemas.openxmlformats.org/officeDocument/2006/relationships" xmlns:p="http://schemas.openxmlformats.org/presentationml/2006/main">
-  <p:cSld>
-    <p:spTree>
-      <p:nvGrpSpPr>
-        <p:cNvPr id="1" name=""/>
-        <p:cNvGrpSpPr/>
-        <p:nvPr/>
-      </p:nvGrpSpPr>
-      <p:grpSpPr>
-        <a:xfrm>
-          <a:off x="0" y="0"/>
-          <a:ext cx="0" cy="0"/>
-          <a:chOff x="0" y="0"/>
-          <a:chExt cx="0" cy="0"/>
-        </a:xfrm>
-      </p:grpSpPr>
-      <p:sp>
-        <p:nvSpPr>
-          <p:cNvPr id="2" name="Title 1"/>
-          <p:cNvSpPr>
-            <a:spLocks noGrp="1"/>
-          </p:cNvSpPr>
-          <p:nvPr>
-            <p:ph type="title"/>
-          </p:nvPr>
-        </p:nvSpPr>
-        <p:spPr/>
-        <p:txBody>
-          <a:bodyPr/>
-          <a:lstStyle/>
-          <a:p>
-            <a:r>
-              <a:rPr lang="en-US" dirty="0" smtClean="0"/>
-              <a:t>Spark Packages</a:t>
-            </a:r>
-            <a:endParaRPr lang="en-US" dirty="0"/>
-          </a:p>
-        </p:txBody>
-      </p:sp>
-      <p:sp>
-        <p:nvSpPr>
-          <p:cNvPr id="3" name="Content Placeholder 2"/>
-          <p:cNvSpPr>
-            <a:spLocks noGrp="1"/>
-          </p:cNvSpPr>
-          <p:nvPr>
-            <p:ph idx="1"/>
-          </p:nvPr>
-        </p:nvSpPr>
-        <p:spPr/>
-        <p:txBody>
-          <a:bodyPr/>
-          <a:lstStyle/>
-          <a:p>
-            <a:r>
-              <a:rPr lang="en-US" dirty="0" smtClean="0"/>
-              <a:t>TODO </a:t>
-            </a:r>
-            <a:endParaRPr lang="en-US" dirty="0"/>
-          </a:p>
-        </p:txBody>
-      </p:sp>
-      <p:sp>
-        <p:nvSpPr>
-          <p:cNvPr id="4" name="Footer Placeholder 3"/>
-          <p:cNvSpPr>
-            <a:spLocks noGrp="1"/>
-          </p:cNvSpPr>
-          <p:nvPr>
-            <p:ph type="ftr" sz="quarter" idx="11"/>
-          </p:nvPr>
-        </p:nvSpPr>
-        <p:spPr/>
-        <p:txBody>
-          <a:bodyPr/>
-          <a:lstStyle/>
-          <a:p>
-            <a:r>
-              <a:rPr lang="en-US" smtClean="0"/>
-              <a:t>© Elephant Scale, 2014</a:t>
-            </a:r>
-            <a:endParaRPr lang="en-US" dirty="0"/>
-          </a:p>
-        </p:txBody>
-      </p:sp>
-    </p:spTree>
-    <p:extLst>
-      <p:ext uri="{BB962C8B-B14F-4D97-AF65-F5344CB8AC3E}">
-        <p14:creationId xmlns:p14="http://schemas.microsoft.com/office/powerpoint/2010/main" val="2514654101"/>
-      </p:ext>
-    </p:extLst>
-  </p:cSld>
-  <p:clrMapOvr>
-    <a:masterClrMapping/>
-  </p:clrMapOvr>
-</p:sld>
-</file>
-
 <file path=ppt/slides/slide2.xml><?xml version="1.0" encoding="utf-8"?>
 <p:sld xmlns:a="http://schemas.openxmlformats.org/drawingml/2006/main" xmlns:r="http://schemas.openxmlformats.org/officeDocument/2006/relationships" xmlns:p="http://schemas.openxmlformats.org/presentationml/2006/main">
   <p:cSld>
@@ -11812,42 +12273,62 @@
           </a:p>
           <a:p>
             <a:r>
-              <a:rPr lang="en-US" smtClean="0"/>
-              <a:t>Version 1.2 </a:t>
-            </a:r>
-            <a:r>
               <a:rPr lang="en-US" dirty="0" smtClean="0"/>
-              <a:t>just </a:t>
-            </a:r>
-            <a:r>
-              <a:rPr lang="en-US" smtClean="0"/>
-              <a:t>released (Dec </a:t>
-            </a:r>
+              <a:t>Version 1.2 just released (Dec 2014)</a:t>
+            </a:r>
+          </a:p>
+          <a:p>
+            <a:pPr marL="0" indent="0">
+              <a:buNone/>
+            </a:pPr>
+            <a:r>
+              <a:rPr lang="en-US" sz="2400" dirty="0" smtClean="0"/>
+              <a:t>“First Big Data platform to integrate batch, streaming and interactive computations in </a:t>
+            </a:r>
+            <a:r>
+              <a:rPr lang="en-US" sz="2400" dirty="0" smtClean="0">
+                <a:solidFill>
+                  <a:schemeClr val="tx2">
+                    <a:lumMod val="50000"/>
+                    <a:lumOff val="50000"/>
+                  </a:schemeClr>
+                </a:solidFill>
+              </a:rPr>
+              <a:t>a unified framework</a:t>
+            </a:r>
+            <a:r>
+              <a:rPr lang="en-US" sz="2400" dirty="0" smtClean="0"/>
+              <a:t>” – </a:t>
+            </a:r>
+            <a:r>
+              <a:rPr lang="en-US" sz="2400" dirty="0" err="1" smtClean="0"/>
+              <a:t>stratio.com</a:t>
+            </a:r>
+            <a:r>
+              <a:rPr lang="en-US" sz="2400" dirty="0" smtClean="0"/>
+              <a:t> </a:t>
+            </a:r>
+            <a:endParaRPr lang="en-US" sz="2400" dirty="0"/>
+          </a:p>
+        </p:txBody>
+      </p:sp>
+      <p:sp>
+        <p:nvSpPr>
+          <p:cNvPr id="4" name="Footer Placeholder 3"/>
+          <p:cNvSpPr>
+            <a:spLocks noGrp="1"/>
+          </p:cNvSpPr>
+          <p:nvPr>
+            <p:ph type="ftr" sz="quarter" idx="11"/>
+          </p:nvPr>
+        </p:nvSpPr>
+        <p:spPr/>
+        <p:txBody>
+          <a:bodyPr/>
+          <a:lstStyle/>
+          <a:p>
             <a:r>
               <a:rPr lang="en-US" dirty="0" smtClean="0"/>
-              <a:t>2014)</a:t>
-            </a:r>
-            <a:endParaRPr lang="en-US" dirty="0"/>
-          </a:p>
-        </p:txBody>
-      </p:sp>
-      <p:sp>
-        <p:nvSpPr>
-          <p:cNvPr id="4" name="Footer Placeholder 3"/>
-          <p:cNvSpPr>
-            <a:spLocks noGrp="1"/>
-          </p:cNvSpPr>
-          <p:nvPr>
-            <p:ph type="ftr" sz="quarter" idx="11"/>
-          </p:nvPr>
-        </p:nvSpPr>
-        <p:spPr/>
-        <p:txBody>
-          <a:bodyPr/>
-          <a:lstStyle/>
-          <a:p>
-            <a:r>
-              <a:rPr lang="en-US" smtClean="0"/>
               <a:t>© Elephant Scale, 2014</a:t>
             </a:r>
             <a:endParaRPr lang="en-US" dirty="0"/>
@@ -11908,7 +12389,7 @@
           <a:p>
             <a:r>
               <a:rPr lang="en-US" dirty="0" smtClean="0"/>
-              <a:t>Next : Spark and Lambda Architecture</a:t>
+              <a:t>‘One Ring to Rule Them All’</a:t>
             </a:r>
             <a:endParaRPr lang="en-US" dirty="0"/>
           </a:p>
@@ -11929,7 +12410,11 @@
           <a:bodyPr/>
           <a:lstStyle/>
           <a:p>
-            <a:endParaRPr lang="en-US"/>
+            <a:r>
+              <a:rPr lang="en-US" dirty="0" smtClean="0"/>
+              <a:t>TODO : Insert picture from LOTR</a:t>
+            </a:r>
+            <a:endParaRPr lang="en-US" dirty="0"/>
           </a:p>
         </p:txBody>
       </p:sp>
@@ -11959,7 +12444,7 @@
     </p:spTree>
     <p:extLst>
       <p:ext uri="{BB962C8B-B14F-4D97-AF65-F5344CB8AC3E}">
-        <p14:creationId xmlns:p14="http://schemas.microsoft.com/office/powerpoint/2010/main" val="2421037679"/>
+        <p14:creationId xmlns:p14="http://schemas.microsoft.com/office/powerpoint/2010/main" val="2714863893"/>
       </p:ext>
     </p:extLst>
   </p:cSld>
@@ -12003,7 +12488,7 @@
           <a:p>
             <a:r>
               <a:rPr lang="en-US" dirty="0" smtClean="0"/>
-              <a:t>Lambda Architecture : A  Quick Review</a:t>
+              <a:t>Spark Eco System</a:t>
             </a:r>
             <a:endParaRPr lang="en-US" dirty="0"/>
           </a:p>
@@ -12026,34 +12511,57 @@
           <a:p>
             <a:r>
               <a:rPr lang="en-US" dirty="0" smtClean="0"/>
-              <a:t>Came out of Twitter</a:t>
+              <a:t>Apache top level project</a:t>
+            </a:r>
+          </a:p>
+          <a:p>
+            <a:r>
+              <a:rPr lang="en-US" dirty="0" err="1" smtClean="0"/>
+              <a:t>Databricks</a:t>
+            </a:r>
+            <a:r>
+              <a:rPr lang="en-US" dirty="0" smtClean="0"/>
+              <a:t> : supporting / developing spark</a:t>
+            </a:r>
+          </a:p>
+          <a:p>
+            <a:r>
+              <a:rPr lang="en-US" dirty="0" smtClean="0"/>
+              <a:t>Hadoop Vendors (</a:t>
+            </a:r>
+            <a:r>
+              <a:rPr lang="en-US" dirty="0" err="1" smtClean="0"/>
+              <a:t>Cloudera</a:t>
+            </a:r>
+            <a:r>
+              <a:rPr lang="en-US" dirty="0" smtClean="0"/>
+              <a:t> / Horton Works)</a:t>
             </a:r>
           </a:p>
           <a:p>
             <a:pPr lvl="1"/>
             <a:r>
               <a:rPr lang="en-US" dirty="0" smtClean="0"/>
-              <a:t>Nathan </a:t>
-            </a:r>
-            <a:r>
-              <a:rPr lang="en-US" dirty="0" err="1" smtClean="0"/>
-              <a:t>Marz</a:t>
-            </a:r>
+              <a:t>Supporting Spark in their distributions</a:t>
+            </a:r>
+          </a:p>
+          <a:p>
             <a:r>
               <a:rPr lang="en-US" dirty="0" smtClean="0"/>
-              <a:t> ..et al</a:t>
-            </a:r>
-          </a:p>
-          <a:p>
+              <a:t>Community</a:t>
+            </a:r>
+          </a:p>
+          <a:p>
+            <a:pPr lvl="1"/>
             <a:r>
               <a:rPr lang="en-US" dirty="0" smtClean="0"/>
-              <a:t>‘Design Pattern’ for data infrastructure</a:t>
+              <a:t>Active, fast growing community</a:t>
             </a:r>
           </a:p>
           <a:p>
             <a:r>
               <a:rPr lang="en-US" dirty="0" smtClean="0"/>
-              <a:t>In-corporates batch and real time components</a:t>
+              <a:t>Spark packages Repository</a:t>
             </a:r>
             <a:endParaRPr lang="en-US" dirty="0"/>
           </a:p>
@@ -12085,7 +12593,7 @@
     </p:spTree>
     <p:extLst>
       <p:ext uri="{BB962C8B-B14F-4D97-AF65-F5344CB8AC3E}">
-        <p14:creationId xmlns:p14="http://schemas.microsoft.com/office/powerpoint/2010/main" val="1244552543"/>
+        <p14:creationId xmlns:p14="http://schemas.microsoft.com/office/powerpoint/2010/main" val="967235441"/>
       </p:ext>
     </p:extLst>
   </p:cSld>
@@ -12129,7 +12637,7 @@
           <a:p>
             <a:r>
               <a:rPr lang="en-US" dirty="0" smtClean="0"/>
-              <a:t>Lambda Architecture</a:t>
+              <a:t>Spark Packages</a:t>
             </a:r>
             <a:endParaRPr lang="en-US" dirty="0"/>
           </a:p>
@@ -12151,12 +12659,8 @@
           <a:lstStyle/>
           <a:p>
             <a:r>
-              <a:rPr lang="en-US" dirty="0" err="1" smtClean="0"/>
-              <a:t>Todo</a:t>
-            </a:r>
-            <a:r>
               <a:rPr lang="en-US" dirty="0" smtClean="0"/>
-              <a:t> insert diagram</a:t>
+              <a:t>TODO </a:t>
             </a:r>
             <a:endParaRPr lang="en-US" dirty="0"/>
           </a:p>
@@ -12188,7 +12692,7 @@
     </p:spTree>
     <p:extLst>
       <p:ext uri="{BB962C8B-B14F-4D97-AF65-F5344CB8AC3E}">
-        <p14:creationId xmlns:p14="http://schemas.microsoft.com/office/powerpoint/2010/main" val="1819342956"/>
+        <p14:creationId xmlns:p14="http://schemas.microsoft.com/office/powerpoint/2010/main" val="2514654101"/>
       </p:ext>
     </p:extLst>
   </p:cSld>
@@ -12232,6 +12736,330 @@
           <a:p>
             <a:r>
               <a:rPr lang="en-US" dirty="0" smtClean="0"/>
+              <a:t>Next : Spark and Lambda Architecture</a:t>
+            </a:r>
+            <a:endParaRPr lang="en-US" dirty="0"/>
+          </a:p>
+        </p:txBody>
+      </p:sp>
+      <p:sp>
+        <p:nvSpPr>
+          <p:cNvPr id="3" name="Content Placeholder 2"/>
+          <p:cNvSpPr>
+            <a:spLocks noGrp="1"/>
+          </p:cNvSpPr>
+          <p:nvPr>
+            <p:ph idx="1"/>
+          </p:nvPr>
+        </p:nvSpPr>
+        <p:spPr/>
+        <p:txBody>
+          <a:bodyPr/>
+          <a:lstStyle/>
+          <a:p>
+            <a:endParaRPr lang="en-US"/>
+          </a:p>
+        </p:txBody>
+      </p:sp>
+      <p:sp>
+        <p:nvSpPr>
+          <p:cNvPr id="4" name="Footer Placeholder 3"/>
+          <p:cNvSpPr>
+            <a:spLocks noGrp="1"/>
+          </p:cNvSpPr>
+          <p:nvPr>
+            <p:ph type="ftr" sz="quarter" idx="11"/>
+          </p:nvPr>
+        </p:nvSpPr>
+        <p:spPr/>
+        <p:txBody>
+          <a:bodyPr/>
+          <a:lstStyle/>
+          <a:p>
+            <a:r>
+              <a:rPr lang="en-US" smtClean="0"/>
+              <a:t>© Elephant Scale, 2014</a:t>
+            </a:r>
+            <a:endParaRPr lang="en-US" dirty="0"/>
+          </a:p>
+        </p:txBody>
+      </p:sp>
+    </p:spTree>
+    <p:extLst>
+      <p:ext uri="{BB962C8B-B14F-4D97-AF65-F5344CB8AC3E}">
+        <p14:creationId xmlns:p14="http://schemas.microsoft.com/office/powerpoint/2010/main" val="2421037679"/>
+      </p:ext>
+    </p:extLst>
+  </p:cSld>
+  <p:clrMapOvr>
+    <a:masterClrMapping/>
+  </p:clrMapOvr>
+</p:sld>
+</file>
+
+<file path=ppt/slides/slide24.xml><?xml version="1.0" encoding="utf-8"?>
+<p:sld xmlns:a="http://schemas.openxmlformats.org/drawingml/2006/main" xmlns:r="http://schemas.openxmlformats.org/officeDocument/2006/relationships" xmlns:p="http://schemas.openxmlformats.org/presentationml/2006/main">
+  <p:cSld>
+    <p:spTree>
+      <p:nvGrpSpPr>
+        <p:cNvPr id="1" name=""/>
+        <p:cNvGrpSpPr/>
+        <p:nvPr/>
+      </p:nvGrpSpPr>
+      <p:grpSpPr>
+        <a:xfrm>
+          <a:off x="0" y="0"/>
+          <a:ext cx="0" cy="0"/>
+          <a:chOff x="0" y="0"/>
+          <a:chExt cx="0" cy="0"/>
+        </a:xfrm>
+      </p:grpSpPr>
+      <p:sp>
+        <p:nvSpPr>
+          <p:cNvPr id="2" name="Title 1"/>
+          <p:cNvSpPr>
+            <a:spLocks noGrp="1"/>
+          </p:cNvSpPr>
+          <p:nvPr>
+            <p:ph type="title"/>
+          </p:nvPr>
+        </p:nvSpPr>
+        <p:spPr/>
+        <p:txBody>
+          <a:bodyPr/>
+          <a:lstStyle/>
+          <a:p>
+            <a:r>
+              <a:rPr lang="en-US" dirty="0" smtClean="0"/>
+              <a:t>Lambda Architecture : A  Quick Review</a:t>
+            </a:r>
+            <a:endParaRPr lang="en-US" dirty="0"/>
+          </a:p>
+        </p:txBody>
+      </p:sp>
+      <p:sp>
+        <p:nvSpPr>
+          <p:cNvPr id="3" name="Content Placeholder 2"/>
+          <p:cNvSpPr>
+            <a:spLocks noGrp="1"/>
+          </p:cNvSpPr>
+          <p:nvPr>
+            <p:ph idx="1"/>
+          </p:nvPr>
+        </p:nvSpPr>
+        <p:spPr/>
+        <p:txBody>
+          <a:bodyPr/>
+          <a:lstStyle/>
+          <a:p>
+            <a:r>
+              <a:rPr lang="en-US" dirty="0" smtClean="0"/>
+              <a:t>Came out of Twitter</a:t>
+            </a:r>
+          </a:p>
+          <a:p>
+            <a:pPr lvl="1"/>
+            <a:r>
+              <a:rPr lang="en-US" dirty="0" smtClean="0"/>
+              <a:t>Nathan </a:t>
+            </a:r>
+            <a:r>
+              <a:rPr lang="en-US" dirty="0" err="1" smtClean="0"/>
+              <a:t>Marz</a:t>
+            </a:r>
+            <a:r>
+              <a:rPr lang="en-US" dirty="0" smtClean="0"/>
+              <a:t> ..et al</a:t>
+            </a:r>
+          </a:p>
+          <a:p>
+            <a:r>
+              <a:rPr lang="en-US" dirty="0" smtClean="0"/>
+              <a:t>‘Design Pattern’ for data infrastructure</a:t>
+            </a:r>
+          </a:p>
+          <a:p>
+            <a:r>
+              <a:rPr lang="en-US" dirty="0" smtClean="0"/>
+              <a:t>In-corporates batch and real time components</a:t>
+            </a:r>
+            <a:endParaRPr lang="en-US" dirty="0"/>
+          </a:p>
+        </p:txBody>
+      </p:sp>
+      <p:sp>
+        <p:nvSpPr>
+          <p:cNvPr id="4" name="Footer Placeholder 3"/>
+          <p:cNvSpPr>
+            <a:spLocks noGrp="1"/>
+          </p:cNvSpPr>
+          <p:nvPr>
+            <p:ph type="ftr" sz="quarter" idx="11"/>
+          </p:nvPr>
+        </p:nvSpPr>
+        <p:spPr/>
+        <p:txBody>
+          <a:bodyPr/>
+          <a:lstStyle/>
+          <a:p>
+            <a:r>
+              <a:rPr lang="en-US" smtClean="0"/>
+              <a:t>© Elephant Scale, 2014</a:t>
+            </a:r>
+            <a:endParaRPr lang="en-US" dirty="0"/>
+          </a:p>
+        </p:txBody>
+      </p:sp>
+    </p:spTree>
+    <p:extLst>
+      <p:ext uri="{BB962C8B-B14F-4D97-AF65-F5344CB8AC3E}">
+        <p14:creationId xmlns:p14="http://schemas.microsoft.com/office/powerpoint/2010/main" val="1244552543"/>
+      </p:ext>
+    </p:extLst>
+  </p:cSld>
+  <p:clrMapOvr>
+    <a:masterClrMapping/>
+  </p:clrMapOvr>
+</p:sld>
+</file>
+
+<file path=ppt/slides/slide25.xml><?xml version="1.0" encoding="utf-8"?>
+<p:sld xmlns:a="http://schemas.openxmlformats.org/drawingml/2006/main" xmlns:r="http://schemas.openxmlformats.org/officeDocument/2006/relationships" xmlns:p="http://schemas.openxmlformats.org/presentationml/2006/main">
+  <p:cSld>
+    <p:spTree>
+      <p:nvGrpSpPr>
+        <p:cNvPr id="1" name=""/>
+        <p:cNvGrpSpPr/>
+        <p:nvPr/>
+      </p:nvGrpSpPr>
+      <p:grpSpPr>
+        <a:xfrm>
+          <a:off x="0" y="0"/>
+          <a:ext cx="0" cy="0"/>
+          <a:chOff x="0" y="0"/>
+          <a:chExt cx="0" cy="0"/>
+        </a:xfrm>
+      </p:grpSpPr>
+      <p:sp>
+        <p:nvSpPr>
+          <p:cNvPr id="2" name="Title 1"/>
+          <p:cNvSpPr>
+            <a:spLocks noGrp="1"/>
+          </p:cNvSpPr>
+          <p:nvPr>
+            <p:ph type="title"/>
+          </p:nvPr>
+        </p:nvSpPr>
+        <p:spPr/>
+        <p:txBody>
+          <a:bodyPr/>
+          <a:lstStyle/>
+          <a:p>
+            <a:r>
+              <a:rPr lang="en-US" dirty="0" smtClean="0"/>
+              <a:t>Lambda Architecture</a:t>
+            </a:r>
+            <a:endParaRPr lang="en-US" dirty="0"/>
+          </a:p>
+        </p:txBody>
+      </p:sp>
+      <p:sp>
+        <p:nvSpPr>
+          <p:cNvPr id="3" name="Content Placeholder 2"/>
+          <p:cNvSpPr>
+            <a:spLocks noGrp="1"/>
+          </p:cNvSpPr>
+          <p:nvPr>
+            <p:ph idx="1"/>
+          </p:nvPr>
+        </p:nvSpPr>
+        <p:spPr/>
+        <p:txBody>
+          <a:bodyPr/>
+          <a:lstStyle/>
+          <a:p>
+            <a:r>
+              <a:rPr lang="en-US" dirty="0" err="1" smtClean="0"/>
+              <a:t>Todo</a:t>
+            </a:r>
+            <a:r>
+              <a:rPr lang="en-US" dirty="0" smtClean="0"/>
+              <a:t> insert diagram</a:t>
+            </a:r>
+            <a:endParaRPr lang="en-US" dirty="0"/>
+          </a:p>
+        </p:txBody>
+      </p:sp>
+      <p:sp>
+        <p:nvSpPr>
+          <p:cNvPr id="4" name="Footer Placeholder 3"/>
+          <p:cNvSpPr>
+            <a:spLocks noGrp="1"/>
+          </p:cNvSpPr>
+          <p:nvPr>
+            <p:ph type="ftr" sz="quarter" idx="11"/>
+          </p:nvPr>
+        </p:nvSpPr>
+        <p:spPr/>
+        <p:txBody>
+          <a:bodyPr/>
+          <a:lstStyle/>
+          <a:p>
+            <a:r>
+              <a:rPr lang="en-US" smtClean="0"/>
+              <a:t>© Elephant Scale, 2014</a:t>
+            </a:r>
+            <a:endParaRPr lang="en-US" dirty="0"/>
+          </a:p>
+        </p:txBody>
+      </p:sp>
+    </p:spTree>
+    <p:extLst>
+      <p:ext uri="{BB962C8B-B14F-4D97-AF65-F5344CB8AC3E}">
+        <p14:creationId xmlns:p14="http://schemas.microsoft.com/office/powerpoint/2010/main" val="1819342956"/>
+      </p:ext>
+    </p:extLst>
+  </p:cSld>
+  <p:clrMapOvr>
+    <a:masterClrMapping/>
+  </p:clrMapOvr>
+</p:sld>
+</file>
+
+<file path=ppt/slides/slide26.xml><?xml version="1.0" encoding="utf-8"?>
+<p:sld xmlns:a="http://schemas.openxmlformats.org/drawingml/2006/main" xmlns:r="http://schemas.openxmlformats.org/officeDocument/2006/relationships" xmlns:p="http://schemas.openxmlformats.org/presentationml/2006/main">
+  <p:cSld>
+    <p:spTree>
+      <p:nvGrpSpPr>
+        <p:cNvPr id="1" name=""/>
+        <p:cNvGrpSpPr/>
+        <p:nvPr/>
+      </p:nvGrpSpPr>
+      <p:grpSpPr>
+        <a:xfrm>
+          <a:off x="0" y="0"/>
+          <a:ext cx="0" cy="0"/>
+          <a:chOff x="0" y="0"/>
+          <a:chExt cx="0" cy="0"/>
+        </a:xfrm>
+      </p:grpSpPr>
+      <p:sp>
+        <p:nvSpPr>
+          <p:cNvPr id="2" name="Title 1"/>
+          <p:cNvSpPr>
+            <a:spLocks noGrp="1"/>
+          </p:cNvSpPr>
+          <p:nvPr>
+            <p:ph type="title"/>
+          </p:nvPr>
+        </p:nvSpPr>
+        <p:spPr/>
+        <p:txBody>
+          <a:bodyPr/>
+          <a:lstStyle/>
+          <a:p>
+            <a:r>
+              <a:rPr lang="en-US" dirty="0" smtClean="0"/>
               <a:t>Spark’s Place in a Lambda Architecture</a:t>
             </a:r>
             <a:endParaRPr lang="en-US" dirty="0"/>
@@ -12301,7 +13129,7 @@
 </p:sld>
 </file>
 
-<file path=ppt/slides/slide24.xml><?xml version="1.0" encoding="utf-8"?>
+<file path=ppt/slides/slide27.xml><?xml version="1.0" encoding="utf-8"?>
 <p:sld xmlns:a="http://schemas.openxmlformats.org/drawingml/2006/main" xmlns:r="http://schemas.openxmlformats.org/officeDocument/2006/relationships" xmlns:p="http://schemas.openxmlformats.org/presentationml/2006/main">
   <p:cSld>
     <p:spTree>
@@ -12672,404 +13500,6 @@
 </p:sld>
 </file>
 
-<file path=ppt/slides/slide25.xml><?xml version="1.0" encoding="utf-8"?>
-<p:sld xmlns:a="http://schemas.openxmlformats.org/drawingml/2006/main" xmlns:r="http://schemas.openxmlformats.org/officeDocument/2006/relationships" xmlns:p="http://schemas.openxmlformats.org/presentationml/2006/main">
-  <p:cSld>
-    <p:spTree>
-      <p:nvGrpSpPr>
-        <p:cNvPr id="1" name=""/>
-        <p:cNvGrpSpPr/>
-        <p:nvPr/>
-      </p:nvGrpSpPr>
-      <p:grpSpPr>
-        <a:xfrm>
-          <a:off x="0" y="0"/>
-          <a:ext cx="0" cy="0"/>
-          <a:chOff x="0" y="0"/>
-          <a:chExt cx="0" cy="0"/>
-        </a:xfrm>
-      </p:grpSpPr>
-      <p:sp>
-        <p:nvSpPr>
-          <p:cNvPr id="2" name="Title 1"/>
-          <p:cNvSpPr>
-            <a:spLocks noGrp="1"/>
-          </p:cNvSpPr>
-          <p:nvPr>
-            <p:ph type="title"/>
-          </p:nvPr>
-        </p:nvSpPr>
-        <p:spPr/>
-        <p:txBody>
-          <a:bodyPr/>
-          <a:lstStyle/>
-          <a:p>
-            <a:r>
-              <a:rPr lang="en-US" dirty="0" smtClean="0"/>
-              <a:t>Spark Use Cases</a:t>
-            </a:r>
-            <a:endParaRPr lang="en-US" dirty="0"/>
-          </a:p>
-        </p:txBody>
-      </p:sp>
-      <p:sp>
-        <p:nvSpPr>
-          <p:cNvPr id="3" name="Content Placeholder 2"/>
-          <p:cNvSpPr>
-            <a:spLocks noGrp="1"/>
-          </p:cNvSpPr>
-          <p:nvPr>
-            <p:ph idx="1"/>
-          </p:nvPr>
-        </p:nvSpPr>
-        <p:spPr/>
-        <p:txBody>
-          <a:bodyPr/>
-          <a:lstStyle/>
-          <a:p>
-            <a:r>
-              <a:rPr lang="en-US" dirty="0" smtClean="0"/>
-              <a:t>TODO : </a:t>
-            </a:r>
-            <a:endParaRPr lang="en-US" dirty="0"/>
-          </a:p>
-        </p:txBody>
-      </p:sp>
-      <p:sp>
-        <p:nvSpPr>
-          <p:cNvPr id="4" name="Footer Placeholder 3"/>
-          <p:cNvSpPr>
-            <a:spLocks noGrp="1"/>
-          </p:cNvSpPr>
-          <p:nvPr>
-            <p:ph type="ftr" sz="quarter" idx="11"/>
-          </p:nvPr>
-        </p:nvSpPr>
-        <p:spPr/>
-        <p:txBody>
-          <a:bodyPr/>
-          <a:lstStyle/>
-          <a:p>
-            <a:r>
-              <a:rPr lang="en-US" smtClean="0"/>
-              <a:t>© Elephant Scale, 2014</a:t>
-            </a:r>
-            <a:endParaRPr lang="en-US" dirty="0"/>
-          </a:p>
-        </p:txBody>
-      </p:sp>
-    </p:spTree>
-    <p:extLst>
-      <p:ext uri="{BB962C8B-B14F-4D97-AF65-F5344CB8AC3E}">
-        <p14:creationId xmlns:p14="http://schemas.microsoft.com/office/powerpoint/2010/main" val="89664695"/>
-      </p:ext>
-    </p:extLst>
-  </p:cSld>
-  <p:clrMapOvr>
-    <a:masterClrMapping/>
-  </p:clrMapOvr>
-</p:sld>
-</file>
-
-<file path=ppt/slides/slide26.xml><?xml version="1.0" encoding="utf-8"?>
-<p:sld xmlns:a="http://schemas.openxmlformats.org/drawingml/2006/main" xmlns:r="http://schemas.openxmlformats.org/officeDocument/2006/relationships" xmlns:p="http://schemas.openxmlformats.org/presentationml/2006/main">
-  <p:cSld>
-    <p:spTree>
-      <p:nvGrpSpPr>
-        <p:cNvPr id="1" name=""/>
-        <p:cNvGrpSpPr/>
-        <p:nvPr/>
-      </p:nvGrpSpPr>
-      <p:grpSpPr>
-        <a:xfrm>
-          <a:off x="0" y="0"/>
-          <a:ext cx="0" cy="0"/>
-          <a:chOff x="0" y="0"/>
-          <a:chExt cx="0" cy="0"/>
-        </a:xfrm>
-      </p:grpSpPr>
-      <p:sp>
-        <p:nvSpPr>
-          <p:cNvPr id="2" name="Title 1"/>
-          <p:cNvSpPr>
-            <a:spLocks noGrp="1"/>
-          </p:cNvSpPr>
-          <p:nvPr>
-            <p:ph type="title"/>
-          </p:nvPr>
-        </p:nvSpPr>
-        <p:spPr/>
-        <p:txBody>
-          <a:bodyPr/>
-          <a:lstStyle/>
-          <a:p>
-            <a:r>
-              <a:rPr lang="en-US" dirty="0" smtClean="0"/>
-              <a:t>Spark’s Scalability</a:t>
-            </a:r>
-            <a:endParaRPr lang="en-US" dirty="0"/>
-          </a:p>
-        </p:txBody>
-      </p:sp>
-      <p:sp>
-        <p:nvSpPr>
-          <p:cNvPr id="3" name="Content Placeholder 2"/>
-          <p:cNvSpPr>
-            <a:spLocks noGrp="1"/>
-          </p:cNvSpPr>
-          <p:nvPr>
-            <p:ph idx="1"/>
-          </p:nvPr>
-        </p:nvSpPr>
-        <p:spPr/>
-        <p:txBody>
-          <a:bodyPr/>
-          <a:lstStyle/>
-          <a:p>
-            <a:r>
-              <a:rPr lang="en-US" dirty="0" smtClean="0"/>
-              <a:t>Spark is fairly young compared to Hadoop</a:t>
-            </a:r>
-          </a:p>
-          <a:p>
-            <a:r>
-              <a:rPr lang="en-US" dirty="0" smtClean="0"/>
-              <a:t>Scalability is work in progress in improving</a:t>
-            </a:r>
-          </a:p>
-          <a:p>
-            <a:r>
-              <a:rPr lang="en-US" dirty="0" smtClean="0"/>
-              <a:t>Large spark cluster examples</a:t>
-            </a:r>
-          </a:p>
-          <a:p>
-            <a:pPr lvl="1"/>
-            <a:r>
-              <a:rPr lang="en-US" dirty="0" smtClean="0"/>
-              <a:t>TODO</a:t>
-            </a:r>
-            <a:endParaRPr lang="en-US" dirty="0"/>
-          </a:p>
-        </p:txBody>
-      </p:sp>
-      <p:sp>
-        <p:nvSpPr>
-          <p:cNvPr id="4" name="Footer Placeholder 3"/>
-          <p:cNvSpPr>
-            <a:spLocks noGrp="1"/>
-          </p:cNvSpPr>
-          <p:nvPr>
-            <p:ph type="ftr" sz="quarter" idx="11"/>
-          </p:nvPr>
-        </p:nvSpPr>
-        <p:spPr/>
-        <p:txBody>
-          <a:bodyPr/>
-          <a:lstStyle/>
-          <a:p>
-            <a:r>
-              <a:rPr lang="en-US" smtClean="0"/>
-              <a:t>© Elephant Scale, 2014</a:t>
-            </a:r>
-            <a:endParaRPr lang="en-US" dirty="0"/>
-          </a:p>
-        </p:txBody>
-      </p:sp>
-    </p:spTree>
-    <p:extLst>
-      <p:ext uri="{BB962C8B-B14F-4D97-AF65-F5344CB8AC3E}">
-        <p14:creationId xmlns:p14="http://schemas.microsoft.com/office/powerpoint/2010/main" val="464018440"/>
-      </p:ext>
-    </p:extLst>
-  </p:cSld>
-  <p:clrMapOvr>
-    <a:masterClrMapping/>
-  </p:clrMapOvr>
-</p:sld>
-</file>
-
-<file path=ppt/slides/slide27.xml><?xml version="1.0" encoding="utf-8"?>
-<p:sld xmlns:a="http://schemas.openxmlformats.org/drawingml/2006/main" xmlns:r="http://schemas.openxmlformats.org/officeDocument/2006/relationships" xmlns:p="http://schemas.openxmlformats.org/presentationml/2006/main">
-  <p:cSld>
-    <p:spTree>
-      <p:nvGrpSpPr>
-        <p:cNvPr id="1" name=""/>
-        <p:cNvGrpSpPr/>
-        <p:nvPr/>
-      </p:nvGrpSpPr>
-      <p:grpSpPr>
-        <a:xfrm>
-          <a:off x="0" y="0"/>
-          <a:ext cx="0" cy="0"/>
-          <a:chOff x="0" y="0"/>
-          <a:chExt cx="0" cy="0"/>
-        </a:xfrm>
-      </p:grpSpPr>
-      <p:sp>
-        <p:nvSpPr>
-          <p:cNvPr id="2" name="Title 1"/>
-          <p:cNvSpPr>
-            <a:spLocks noGrp="1"/>
-          </p:cNvSpPr>
-          <p:nvPr>
-            <p:ph type="title"/>
-          </p:nvPr>
-        </p:nvSpPr>
-        <p:spPr/>
-        <p:txBody>
-          <a:bodyPr/>
-          <a:lstStyle/>
-          <a:p>
-            <a:r>
-              <a:rPr lang="en-US" dirty="0" smtClean="0"/>
-              <a:t>Spark Operations</a:t>
-            </a:r>
-            <a:endParaRPr lang="en-US" dirty="0"/>
-          </a:p>
-        </p:txBody>
-      </p:sp>
-      <p:sp>
-        <p:nvSpPr>
-          <p:cNvPr id="3" name="Content Placeholder 2"/>
-          <p:cNvSpPr>
-            <a:spLocks noGrp="1"/>
-          </p:cNvSpPr>
-          <p:nvPr>
-            <p:ph idx="1"/>
-          </p:nvPr>
-        </p:nvSpPr>
-        <p:spPr/>
-        <p:txBody>
-          <a:bodyPr/>
-          <a:lstStyle/>
-          <a:p>
-            <a:r>
-              <a:rPr lang="en-US" dirty="0" smtClean="0"/>
-              <a:t>Spark Can be installed in two mediums</a:t>
-            </a:r>
-          </a:p>
-          <a:p>
-            <a:pPr lvl="1"/>
-            <a:r>
-              <a:rPr lang="en-US" dirty="0" smtClean="0"/>
-              <a:t>As part of Hadoop stack (</a:t>
-            </a:r>
-            <a:r>
-              <a:rPr lang="en-US" dirty="0" err="1" smtClean="0"/>
-              <a:t>Cloudera</a:t>
-            </a:r>
-            <a:r>
-              <a:rPr lang="en-US" dirty="0" smtClean="0"/>
-              <a:t> / </a:t>
-            </a:r>
-            <a:r>
-              <a:rPr lang="en-US" dirty="0" err="1" smtClean="0"/>
-              <a:t>Hortonworks</a:t>
-            </a:r>
-            <a:r>
-              <a:rPr lang="en-US" dirty="0" smtClean="0"/>
-              <a:t>)</a:t>
-            </a:r>
-          </a:p>
-          <a:p>
-            <a:pPr lvl="1"/>
-            <a:r>
-              <a:rPr lang="en-US" dirty="0" smtClean="0"/>
-              <a:t>Standalone</a:t>
-            </a:r>
-          </a:p>
-          <a:p>
-            <a:r>
-              <a:rPr lang="en-US" dirty="0" smtClean="0"/>
-              <a:t>Stand-alone install is a bit ‘rough around the edges’</a:t>
-            </a:r>
-          </a:p>
-          <a:p>
-            <a:r>
-              <a:rPr lang="en-US" dirty="0" smtClean="0"/>
-              <a:t>Monitoring solutions are slim</a:t>
-            </a:r>
-          </a:p>
-          <a:p>
-            <a:pPr lvl="1"/>
-            <a:r>
-              <a:rPr lang="en-US" dirty="0" err="1" smtClean="0"/>
-              <a:t>Sematext</a:t>
-            </a:r>
-            <a:r>
-              <a:rPr lang="en-US" dirty="0" smtClean="0"/>
-              <a:t> </a:t>
-            </a:r>
-            <a:r>
-              <a:rPr lang="en-US" dirty="0" err="1" smtClean="0"/>
-              <a:t>offerring</a:t>
-            </a:r>
-            <a:endParaRPr lang="en-US" dirty="0" smtClean="0"/>
-          </a:p>
-          <a:p>
-            <a:r>
-              <a:rPr lang="en-US" dirty="0" smtClean="0"/>
-              <a:t>Need to improve:</a:t>
-            </a:r>
-          </a:p>
-          <a:p>
-            <a:pPr lvl="1"/>
-            <a:r>
-              <a:rPr lang="en-US" dirty="0" smtClean="0"/>
-              <a:t>Manageability (restarting failed nodes / processes)</a:t>
-            </a:r>
-          </a:p>
-          <a:p>
-            <a:pPr lvl="1"/>
-            <a:r>
-              <a:rPr lang="en-US" dirty="0" smtClean="0"/>
-              <a:t>Performance bottlenecks…</a:t>
-            </a:r>
-            <a:r>
-              <a:rPr lang="en-US" dirty="0" err="1" smtClean="0"/>
-              <a:t>etc</a:t>
-            </a:r>
-            <a:endParaRPr lang="en-US" dirty="0"/>
-          </a:p>
-        </p:txBody>
-      </p:sp>
-      <p:sp>
-        <p:nvSpPr>
-          <p:cNvPr id="4" name="Footer Placeholder 3"/>
-          <p:cNvSpPr>
-            <a:spLocks noGrp="1"/>
-          </p:cNvSpPr>
-          <p:nvPr>
-            <p:ph type="ftr" sz="quarter" idx="11"/>
-          </p:nvPr>
-        </p:nvSpPr>
-        <p:spPr/>
-        <p:txBody>
-          <a:bodyPr/>
-          <a:lstStyle/>
-          <a:p>
-            <a:r>
-              <a:rPr lang="en-US" smtClean="0"/>
-              <a:t>© Elephant Scale, 2014</a:t>
-            </a:r>
-            <a:endParaRPr lang="en-US" dirty="0"/>
-          </a:p>
-        </p:txBody>
-      </p:sp>
-    </p:spTree>
-    <p:extLst>
-      <p:ext uri="{BB962C8B-B14F-4D97-AF65-F5344CB8AC3E}">
-        <p14:creationId xmlns:p14="http://schemas.microsoft.com/office/powerpoint/2010/main" val="130787606"/>
-      </p:ext>
-    </p:extLst>
-  </p:cSld>
-  <p:clrMapOvr>
-    <a:masterClrMapping/>
-  </p:clrMapOvr>
-</p:sld>
-</file>
-
 <file path=ppt/slides/slide28.xml><?xml version="1.0" encoding="utf-8"?>
 <p:sld xmlns:a="http://schemas.openxmlformats.org/drawingml/2006/main" xmlns:r="http://schemas.openxmlformats.org/officeDocument/2006/relationships" xmlns:p="http://schemas.openxmlformats.org/presentationml/2006/main">
   <p:cSld>
@@ -13104,7 +13534,7 @@
           <a:p>
             <a:r>
               <a:rPr lang="en-US" dirty="0" smtClean="0"/>
-              <a:t>Future of Spark</a:t>
+              <a:t>Spark Use Cases</a:t>
             </a:r>
             <a:endParaRPr lang="en-US" dirty="0"/>
           </a:p>
@@ -13127,39 +13557,7 @@
           <a:p>
             <a:r>
               <a:rPr lang="en-US" dirty="0" smtClean="0"/>
-              <a:t>More work on scalability</a:t>
-            </a:r>
-          </a:p>
-          <a:p>
-            <a:r>
-              <a:rPr lang="en-US" dirty="0" smtClean="0"/>
-              <a:t>More monitoring / debugging tools</a:t>
-            </a:r>
-          </a:p>
-          <a:p>
-            <a:r>
-              <a:rPr lang="en-US" dirty="0" smtClean="0"/>
-              <a:t>Improvements on libraries (</a:t>
-            </a:r>
-            <a:r>
-              <a:rPr lang="en-US" dirty="0" err="1" smtClean="0"/>
-              <a:t>MLLib</a:t>
-            </a:r>
-            <a:r>
-              <a:rPr lang="en-US" dirty="0"/>
-              <a:t> </a:t>
-            </a:r>
-            <a:r>
-              <a:rPr lang="en-US" dirty="0" smtClean="0"/>
-              <a:t>…</a:t>
-            </a:r>
-            <a:r>
-              <a:rPr lang="en-US" dirty="0" err="1" smtClean="0"/>
-              <a:t>etc</a:t>
-            </a:r>
-            <a:r>
-              <a:rPr lang="en-US" smtClean="0"/>
-              <a:t>) </a:t>
+              <a:t>TODO : </a:t>
             </a:r>
             <a:endParaRPr lang="en-US" dirty="0"/>
           </a:p>
@@ -13191,7 +13589,7 @@
     </p:spTree>
     <p:extLst>
       <p:ext uri="{BB962C8B-B14F-4D97-AF65-F5344CB8AC3E}">
-        <p14:creationId xmlns:p14="http://schemas.microsoft.com/office/powerpoint/2010/main" val="97635060"/>
+        <p14:creationId xmlns:p14="http://schemas.microsoft.com/office/powerpoint/2010/main" val="89664695"/>
       </p:ext>
     </p:extLst>
   </p:cSld>
@@ -13235,43 +13633,51 @@
           <a:p>
             <a:r>
               <a:rPr lang="en-US" dirty="0" smtClean="0"/>
-              <a:t>Thanks</a:t>
-            </a:r>
-            <a:r>
-              <a:rPr lang="en-US" smtClean="0"/>
-              <a:t>! </a:t>
-            </a:r>
-            <a:br>
-              <a:rPr lang="en-US" smtClean="0"/>
-            </a:br>
-            <a:r>
-              <a:rPr lang="en-US" smtClean="0"/>
-              <a:t>Questions </a:t>
-            </a:r>
+              <a:t>Spark’s Scalability</a:t>
+            </a:r>
+            <a:endParaRPr lang="en-US" dirty="0"/>
+          </a:p>
+        </p:txBody>
+      </p:sp>
+      <p:sp>
+        <p:nvSpPr>
+          <p:cNvPr id="3" name="Content Placeholder 2"/>
+          <p:cNvSpPr>
+            <a:spLocks noGrp="1"/>
+          </p:cNvSpPr>
+          <p:nvPr>
+            <p:ph idx="1"/>
+          </p:nvPr>
+        </p:nvSpPr>
+        <p:spPr/>
+        <p:txBody>
+          <a:bodyPr/>
+          <a:lstStyle/>
+          <a:p>
             <a:r>
               <a:rPr lang="en-US" dirty="0" smtClean="0"/>
-              <a:t>?</a:t>
+              <a:t>Spark is fairly young compared to Hadoop</a:t>
+            </a:r>
+          </a:p>
+          <a:p>
+            <a:r>
+              <a:rPr lang="en-US" dirty="0" smtClean="0"/>
+              <a:t>Scalability is work in progress in improving</a:t>
+            </a:r>
+          </a:p>
+          <a:p>
+            <a:r>
+              <a:rPr lang="en-US" dirty="0" smtClean="0"/>
+              <a:t>Large spark cluster examples</a:t>
+            </a:r>
+          </a:p>
+          <a:p>
+            <a:pPr lvl="1"/>
+            <a:r>
+              <a:rPr lang="en-US" dirty="0" smtClean="0"/>
+              <a:t>TODO</a:t>
             </a:r>
             <a:endParaRPr lang="en-US" dirty="0"/>
-          </a:p>
-        </p:txBody>
-      </p:sp>
-      <p:sp>
-        <p:nvSpPr>
-          <p:cNvPr id="3" name="Content Placeholder 2"/>
-          <p:cNvSpPr>
-            <a:spLocks noGrp="1"/>
-          </p:cNvSpPr>
-          <p:nvPr>
-            <p:ph idx="1"/>
-          </p:nvPr>
-        </p:nvSpPr>
-        <p:spPr/>
-        <p:txBody>
-          <a:bodyPr/>
-          <a:lstStyle/>
-          <a:p>
-            <a:endParaRPr lang="en-US"/>
           </a:p>
         </p:txBody>
       </p:sp>
@@ -13301,7 +13707,7 @@
     </p:spTree>
     <p:extLst>
       <p:ext uri="{BB962C8B-B14F-4D97-AF65-F5344CB8AC3E}">
-        <p14:creationId xmlns:p14="http://schemas.microsoft.com/office/powerpoint/2010/main" val="2480127510"/>
+        <p14:creationId xmlns:p14="http://schemas.microsoft.com/office/powerpoint/2010/main" val="464018440"/>
       </p:ext>
     </p:extLst>
   </p:cSld>
@@ -13345,6 +13751,1228 @@
           <a:p>
             <a:r>
               <a:rPr lang="en-US" dirty="0" smtClean="0"/>
+              <a:t>Hypo-meter  </a:t>
+            </a:r>
+            <a:r>
+              <a:rPr lang="en-US" dirty="0" smtClean="0">
+                <a:sym typeface="Wingdings"/>
+              </a:rPr>
+              <a:t></a:t>
+            </a:r>
+            <a:endParaRPr lang="en-US" dirty="0"/>
+          </a:p>
+        </p:txBody>
+      </p:sp>
+      <p:pic>
+        <p:nvPicPr>
+          <p:cNvPr id="5" name="Content Placeholder 4"/>
+          <p:cNvPicPr>
+            <a:picLocks noGrp="1" noChangeAspect="1"/>
+          </p:cNvPicPr>
+          <p:nvPr>
+            <p:ph idx="1"/>
+          </p:nvPr>
+        </p:nvPicPr>
+        <p:blipFill>
+          <a:blip r:embed="rId2"/>
+          <a:srcRect l="-14535" r="-14535"/>
+          <a:stretch>
+            <a:fillRect/>
+          </a:stretch>
+        </p:blipFill>
+        <p:spPr/>
+      </p:pic>
+      <p:sp>
+        <p:nvSpPr>
+          <p:cNvPr id="4" name="Footer Placeholder 3"/>
+          <p:cNvSpPr>
+            <a:spLocks noGrp="1"/>
+          </p:cNvSpPr>
+          <p:nvPr>
+            <p:ph type="ftr" sz="quarter" idx="11"/>
+          </p:nvPr>
+        </p:nvSpPr>
+        <p:spPr/>
+        <p:txBody>
+          <a:bodyPr/>
+          <a:lstStyle/>
+          <a:p>
+            <a:r>
+              <a:rPr lang="en-US" smtClean="0"/>
+              <a:t>© Elephant Scale, 2014</a:t>
+            </a:r>
+            <a:endParaRPr lang="en-US" dirty="0"/>
+          </a:p>
+        </p:txBody>
+      </p:sp>
+    </p:spTree>
+    <p:extLst>
+      <p:ext uri="{BB962C8B-B14F-4D97-AF65-F5344CB8AC3E}">
+        <p14:creationId xmlns:p14="http://schemas.microsoft.com/office/powerpoint/2010/main" val="3239069871"/>
+      </p:ext>
+    </p:extLst>
+  </p:cSld>
+  <p:clrMapOvr>
+    <a:masterClrMapping/>
+  </p:clrMapOvr>
+  <p:timing>
+    <p:tnLst>
+      <p:par>
+        <p:cTn xmlns:p14="http://schemas.microsoft.com/office/powerpoint/2010/main" id="1" dur="indefinite" restart="never" nodeType="tmRoot"/>
+      </p:par>
+    </p:tnLst>
+  </p:timing>
+</p:sld>
+</file>
+
+<file path=ppt/slides/slide30.xml><?xml version="1.0" encoding="utf-8"?>
+<p:sld xmlns:a="http://schemas.openxmlformats.org/drawingml/2006/main" xmlns:r="http://schemas.openxmlformats.org/officeDocument/2006/relationships" xmlns:p="http://schemas.openxmlformats.org/presentationml/2006/main">
+  <p:cSld>
+    <p:spTree>
+      <p:nvGrpSpPr>
+        <p:cNvPr id="1" name=""/>
+        <p:cNvGrpSpPr/>
+        <p:nvPr/>
+      </p:nvGrpSpPr>
+      <p:grpSpPr>
+        <a:xfrm>
+          <a:off x="0" y="0"/>
+          <a:ext cx="0" cy="0"/>
+          <a:chOff x="0" y="0"/>
+          <a:chExt cx="0" cy="0"/>
+        </a:xfrm>
+      </p:grpSpPr>
+      <p:sp>
+        <p:nvSpPr>
+          <p:cNvPr id="2" name="Title 1"/>
+          <p:cNvSpPr>
+            <a:spLocks noGrp="1"/>
+          </p:cNvSpPr>
+          <p:nvPr>
+            <p:ph type="title"/>
+          </p:nvPr>
+        </p:nvSpPr>
+        <p:spPr/>
+        <p:txBody>
+          <a:bodyPr/>
+          <a:lstStyle/>
+          <a:p>
+            <a:r>
+              <a:rPr lang="en-US" dirty="0" smtClean="0"/>
+              <a:t>Spark Operations</a:t>
+            </a:r>
+            <a:endParaRPr lang="en-US" dirty="0"/>
+          </a:p>
+        </p:txBody>
+      </p:sp>
+      <p:sp>
+        <p:nvSpPr>
+          <p:cNvPr id="3" name="Content Placeholder 2"/>
+          <p:cNvSpPr>
+            <a:spLocks noGrp="1"/>
+          </p:cNvSpPr>
+          <p:nvPr>
+            <p:ph idx="1"/>
+          </p:nvPr>
+        </p:nvSpPr>
+        <p:spPr/>
+        <p:txBody>
+          <a:bodyPr/>
+          <a:lstStyle/>
+          <a:p>
+            <a:r>
+              <a:rPr lang="en-US" dirty="0" smtClean="0"/>
+              <a:t>Spark Can be installed in two mediums</a:t>
+            </a:r>
+          </a:p>
+          <a:p>
+            <a:pPr lvl="1"/>
+            <a:r>
+              <a:rPr lang="en-US" dirty="0" smtClean="0"/>
+              <a:t>As part of Hadoop stack (</a:t>
+            </a:r>
+            <a:r>
+              <a:rPr lang="en-US" dirty="0" err="1" smtClean="0"/>
+              <a:t>Cloudera</a:t>
+            </a:r>
+            <a:r>
+              <a:rPr lang="en-US" dirty="0" smtClean="0"/>
+              <a:t> / </a:t>
+            </a:r>
+            <a:r>
+              <a:rPr lang="en-US" dirty="0" err="1" smtClean="0"/>
+              <a:t>Hortonworks</a:t>
+            </a:r>
+            <a:r>
+              <a:rPr lang="en-US" dirty="0" smtClean="0"/>
+              <a:t>)</a:t>
+            </a:r>
+          </a:p>
+          <a:p>
+            <a:pPr lvl="1"/>
+            <a:r>
+              <a:rPr lang="en-US" dirty="0" smtClean="0"/>
+              <a:t>Standalone</a:t>
+            </a:r>
+          </a:p>
+          <a:p>
+            <a:r>
+              <a:rPr lang="en-US" dirty="0" smtClean="0"/>
+              <a:t>Stand-alone install is a bit ‘rough around the edges’</a:t>
+            </a:r>
+          </a:p>
+          <a:p>
+            <a:r>
+              <a:rPr lang="en-US" dirty="0" smtClean="0"/>
+              <a:t>Monitoring solutions are slim</a:t>
+            </a:r>
+          </a:p>
+          <a:p>
+            <a:pPr lvl="1"/>
+            <a:r>
+              <a:rPr lang="en-US" dirty="0" err="1" smtClean="0"/>
+              <a:t>Sematext</a:t>
+            </a:r>
+            <a:r>
+              <a:rPr lang="en-US" dirty="0" smtClean="0"/>
+              <a:t> </a:t>
+            </a:r>
+            <a:r>
+              <a:rPr lang="en-US" dirty="0" err="1" smtClean="0"/>
+              <a:t>offerring</a:t>
+            </a:r>
+            <a:endParaRPr lang="en-US" dirty="0" smtClean="0"/>
+          </a:p>
+          <a:p>
+            <a:r>
+              <a:rPr lang="en-US" dirty="0" smtClean="0"/>
+              <a:t>Need to improve:</a:t>
+            </a:r>
+          </a:p>
+          <a:p>
+            <a:pPr lvl="1"/>
+            <a:r>
+              <a:rPr lang="en-US" dirty="0" smtClean="0"/>
+              <a:t>Manageability (restarting failed nodes / processes)</a:t>
+            </a:r>
+          </a:p>
+          <a:p>
+            <a:pPr lvl="1"/>
+            <a:r>
+              <a:rPr lang="en-US" dirty="0" smtClean="0"/>
+              <a:t>Performance bottlenecks…</a:t>
+            </a:r>
+            <a:r>
+              <a:rPr lang="en-US" dirty="0" err="1" smtClean="0"/>
+              <a:t>etc</a:t>
+            </a:r>
+            <a:endParaRPr lang="en-US" dirty="0"/>
+          </a:p>
+        </p:txBody>
+      </p:sp>
+      <p:sp>
+        <p:nvSpPr>
+          <p:cNvPr id="4" name="Footer Placeholder 3"/>
+          <p:cNvSpPr>
+            <a:spLocks noGrp="1"/>
+          </p:cNvSpPr>
+          <p:nvPr>
+            <p:ph type="ftr" sz="quarter" idx="11"/>
+          </p:nvPr>
+        </p:nvSpPr>
+        <p:spPr/>
+        <p:txBody>
+          <a:bodyPr/>
+          <a:lstStyle/>
+          <a:p>
+            <a:r>
+              <a:rPr lang="en-US" smtClean="0"/>
+              <a:t>© Elephant Scale, 2014</a:t>
+            </a:r>
+            <a:endParaRPr lang="en-US" dirty="0"/>
+          </a:p>
+        </p:txBody>
+      </p:sp>
+    </p:spTree>
+    <p:extLst>
+      <p:ext uri="{BB962C8B-B14F-4D97-AF65-F5344CB8AC3E}">
+        <p14:creationId xmlns:p14="http://schemas.microsoft.com/office/powerpoint/2010/main" val="130787606"/>
+      </p:ext>
+    </p:extLst>
+  </p:cSld>
+  <p:clrMapOvr>
+    <a:masterClrMapping/>
+  </p:clrMapOvr>
+</p:sld>
+</file>
+
+<file path=ppt/slides/slide31.xml><?xml version="1.0" encoding="utf-8"?>
+<p:sld xmlns:a="http://schemas.openxmlformats.org/drawingml/2006/main" xmlns:r="http://schemas.openxmlformats.org/officeDocument/2006/relationships" xmlns:p="http://schemas.openxmlformats.org/presentationml/2006/main">
+  <p:cSld>
+    <p:spTree>
+      <p:nvGrpSpPr>
+        <p:cNvPr id="1" name=""/>
+        <p:cNvGrpSpPr/>
+        <p:nvPr/>
+      </p:nvGrpSpPr>
+      <p:grpSpPr>
+        <a:xfrm>
+          <a:off x="0" y="0"/>
+          <a:ext cx="0" cy="0"/>
+          <a:chOff x="0" y="0"/>
+          <a:chExt cx="0" cy="0"/>
+        </a:xfrm>
+      </p:grpSpPr>
+      <p:sp>
+        <p:nvSpPr>
+          <p:cNvPr id="2" name="Title 1"/>
+          <p:cNvSpPr>
+            <a:spLocks noGrp="1"/>
+          </p:cNvSpPr>
+          <p:nvPr>
+            <p:ph type="title"/>
+          </p:nvPr>
+        </p:nvSpPr>
+        <p:spPr/>
+        <p:txBody>
+          <a:bodyPr/>
+          <a:lstStyle/>
+          <a:p>
+            <a:r>
+              <a:rPr lang="en-US" dirty="0" smtClean="0"/>
+              <a:t>Next : Spark Use Cases</a:t>
+            </a:r>
+            <a:endParaRPr lang="en-US" dirty="0"/>
+          </a:p>
+        </p:txBody>
+      </p:sp>
+      <p:sp>
+        <p:nvSpPr>
+          <p:cNvPr id="3" name="Content Placeholder 2"/>
+          <p:cNvSpPr>
+            <a:spLocks noGrp="1"/>
+          </p:cNvSpPr>
+          <p:nvPr>
+            <p:ph idx="1"/>
+          </p:nvPr>
+        </p:nvSpPr>
+        <p:spPr/>
+        <p:txBody>
+          <a:bodyPr/>
+          <a:lstStyle/>
+          <a:p>
+            <a:endParaRPr lang="en-US"/>
+          </a:p>
+        </p:txBody>
+      </p:sp>
+      <p:sp>
+        <p:nvSpPr>
+          <p:cNvPr id="4" name="Footer Placeholder 3"/>
+          <p:cNvSpPr>
+            <a:spLocks noGrp="1"/>
+          </p:cNvSpPr>
+          <p:nvPr>
+            <p:ph type="ftr" sz="quarter" idx="11"/>
+          </p:nvPr>
+        </p:nvSpPr>
+        <p:spPr/>
+        <p:txBody>
+          <a:bodyPr/>
+          <a:lstStyle/>
+          <a:p>
+            <a:r>
+              <a:rPr lang="en-US" smtClean="0"/>
+              <a:t>© Elephant Scale, 2014</a:t>
+            </a:r>
+            <a:endParaRPr lang="en-US" dirty="0"/>
+          </a:p>
+        </p:txBody>
+      </p:sp>
+    </p:spTree>
+    <p:extLst>
+      <p:ext uri="{BB962C8B-B14F-4D97-AF65-F5344CB8AC3E}">
+        <p14:creationId xmlns:p14="http://schemas.microsoft.com/office/powerpoint/2010/main" val="792419671"/>
+      </p:ext>
+    </p:extLst>
+  </p:cSld>
+  <p:clrMapOvr>
+    <a:masterClrMapping/>
+  </p:clrMapOvr>
+</p:sld>
+</file>
+
+<file path=ppt/slides/slide32.xml><?xml version="1.0" encoding="utf-8"?>
+<p:sld xmlns:a="http://schemas.openxmlformats.org/drawingml/2006/main" xmlns:r="http://schemas.openxmlformats.org/officeDocument/2006/relationships" xmlns:p="http://schemas.openxmlformats.org/presentationml/2006/main">
+  <p:cSld>
+    <p:spTree>
+      <p:nvGrpSpPr>
+        <p:cNvPr id="1" name=""/>
+        <p:cNvGrpSpPr/>
+        <p:nvPr/>
+      </p:nvGrpSpPr>
+      <p:grpSpPr>
+        <a:xfrm>
+          <a:off x="0" y="0"/>
+          <a:ext cx="0" cy="0"/>
+          <a:chOff x="0" y="0"/>
+          <a:chExt cx="0" cy="0"/>
+        </a:xfrm>
+      </p:grpSpPr>
+      <p:sp>
+        <p:nvSpPr>
+          <p:cNvPr id="2" name="Title 1"/>
+          <p:cNvSpPr>
+            <a:spLocks noGrp="1"/>
+          </p:cNvSpPr>
+          <p:nvPr>
+            <p:ph type="title"/>
+          </p:nvPr>
+        </p:nvSpPr>
+        <p:spPr/>
+        <p:txBody>
+          <a:bodyPr/>
+          <a:lstStyle/>
+          <a:p>
+            <a:r>
+              <a:rPr lang="en-US" dirty="0" smtClean="0"/>
+              <a:t>Spark Use Cases</a:t>
+            </a:r>
+            <a:endParaRPr lang="en-US" dirty="0"/>
+          </a:p>
+        </p:txBody>
+      </p:sp>
+      <p:sp>
+        <p:nvSpPr>
+          <p:cNvPr id="3" name="Content Placeholder 2"/>
+          <p:cNvSpPr>
+            <a:spLocks noGrp="1"/>
+          </p:cNvSpPr>
+          <p:nvPr>
+            <p:ph idx="1"/>
+          </p:nvPr>
+        </p:nvSpPr>
+        <p:spPr/>
+        <p:txBody>
+          <a:bodyPr/>
+          <a:lstStyle/>
+          <a:p>
+            <a:r>
+              <a:rPr lang="en-US" dirty="0" err="1" smtClean="0"/>
+              <a:t>Ooyala</a:t>
+            </a:r>
+            <a:r>
+              <a:rPr lang="en-US" dirty="0" smtClean="0"/>
+              <a:t> (video content)</a:t>
+            </a:r>
+          </a:p>
+          <a:p>
+            <a:pPr lvl="1"/>
+            <a:r>
+              <a:rPr lang="en-US" dirty="0" smtClean="0"/>
+              <a:t>Personalized video recommendations</a:t>
+            </a:r>
+          </a:p>
+          <a:p>
+            <a:pPr lvl="1"/>
+            <a:r>
+              <a:rPr lang="en-US" dirty="0" smtClean="0"/>
+              <a:t>Spark &amp; Cassandra</a:t>
+            </a:r>
+          </a:p>
+          <a:p>
+            <a:pPr lvl="1"/>
+            <a:r>
+              <a:rPr lang="en-US" dirty="0" smtClean="0"/>
+              <a:t>Open sourced Spark Job </a:t>
+            </a:r>
+            <a:r>
+              <a:rPr lang="en-US" dirty="0"/>
+              <a:t>Server (</a:t>
+            </a:r>
+            <a:r>
+              <a:rPr lang="en-US" dirty="0">
+                <a:hlinkClick r:id="rId2"/>
+              </a:rPr>
+              <a:t>https://github.com/spark-jobserver/spark-</a:t>
+            </a:r>
+            <a:r>
+              <a:rPr lang="en-US" dirty="0" smtClean="0">
+                <a:hlinkClick r:id="rId2"/>
+              </a:rPr>
+              <a:t>jobserver</a:t>
+            </a:r>
+            <a:r>
+              <a:rPr lang="en-US" smtClean="0"/>
+              <a:t>) </a:t>
+            </a:r>
+            <a:endParaRPr lang="en-US" dirty="0" smtClean="0"/>
+          </a:p>
+          <a:p>
+            <a:pPr lvl="1"/>
+            <a:r>
+              <a:rPr lang="en-US" dirty="0">
+                <a:hlinkClick r:id="rId3"/>
+              </a:rPr>
+              <a:t>http://engineering.ooyala.com/blog/fast-spark-queries-memory-</a:t>
+            </a:r>
+            <a:r>
+              <a:rPr lang="en-US" dirty="0" smtClean="0">
+                <a:hlinkClick r:id="rId3"/>
+              </a:rPr>
+              <a:t>datasets</a:t>
+            </a:r>
+            <a:endParaRPr lang="en-US" dirty="0" smtClean="0"/>
+          </a:p>
+          <a:p>
+            <a:pPr lvl="1"/>
+            <a:endParaRPr lang="en-US" dirty="0"/>
+          </a:p>
+        </p:txBody>
+      </p:sp>
+      <p:sp>
+        <p:nvSpPr>
+          <p:cNvPr id="4" name="Footer Placeholder 3"/>
+          <p:cNvSpPr>
+            <a:spLocks noGrp="1"/>
+          </p:cNvSpPr>
+          <p:nvPr>
+            <p:ph type="ftr" sz="quarter" idx="11"/>
+          </p:nvPr>
+        </p:nvSpPr>
+        <p:spPr/>
+        <p:txBody>
+          <a:bodyPr/>
+          <a:lstStyle/>
+          <a:p>
+            <a:r>
+              <a:rPr lang="en-US" smtClean="0"/>
+              <a:t>© Elephant Scale, 2014</a:t>
+            </a:r>
+            <a:endParaRPr lang="en-US" dirty="0"/>
+          </a:p>
+        </p:txBody>
+      </p:sp>
+    </p:spTree>
+    <p:extLst>
+      <p:ext uri="{BB962C8B-B14F-4D97-AF65-F5344CB8AC3E}">
+        <p14:creationId xmlns:p14="http://schemas.microsoft.com/office/powerpoint/2010/main" val="4067029014"/>
+      </p:ext>
+    </p:extLst>
+  </p:cSld>
+  <p:clrMapOvr>
+    <a:masterClrMapping/>
+  </p:clrMapOvr>
+</p:sld>
+</file>
+
+<file path=ppt/slides/slide33.xml><?xml version="1.0" encoding="utf-8"?>
+<p:sld xmlns:a="http://schemas.openxmlformats.org/drawingml/2006/main" xmlns:r="http://schemas.openxmlformats.org/officeDocument/2006/relationships" xmlns:p="http://schemas.openxmlformats.org/presentationml/2006/main">
+  <p:cSld>
+    <p:spTree>
+      <p:nvGrpSpPr>
+        <p:cNvPr id="1" name=""/>
+        <p:cNvGrpSpPr/>
+        <p:nvPr/>
+      </p:nvGrpSpPr>
+      <p:grpSpPr>
+        <a:xfrm>
+          <a:off x="0" y="0"/>
+          <a:ext cx="0" cy="0"/>
+          <a:chOff x="0" y="0"/>
+          <a:chExt cx="0" cy="0"/>
+        </a:xfrm>
+      </p:grpSpPr>
+      <p:sp>
+        <p:nvSpPr>
+          <p:cNvPr id="2" name="Title 1"/>
+          <p:cNvSpPr>
+            <a:spLocks noGrp="1"/>
+          </p:cNvSpPr>
+          <p:nvPr>
+            <p:ph type="title"/>
+          </p:nvPr>
+        </p:nvSpPr>
+        <p:spPr/>
+        <p:txBody>
+          <a:bodyPr/>
+          <a:lstStyle/>
+          <a:p>
+            <a:r>
+              <a:rPr lang="en-US" dirty="0" smtClean="0"/>
+              <a:t>Future of Spark</a:t>
+            </a:r>
+            <a:endParaRPr lang="en-US" dirty="0"/>
+          </a:p>
+        </p:txBody>
+      </p:sp>
+      <p:sp>
+        <p:nvSpPr>
+          <p:cNvPr id="3" name="Content Placeholder 2"/>
+          <p:cNvSpPr>
+            <a:spLocks noGrp="1"/>
+          </p:cNvSpPr>
+          <p:nvPr>
+            <p:ph idx="1"/>
+          </p:nvPr>
+        </p:nvSpPr>
+        <p:spPr/>
+        <p:txBody>
+          <a:bodyPr/>
+          <a:lstStyle/>
+          <a:p>
+            <a:r>
+              <a:rPr lang="en-US" dirty="0" smtClean="0"/>
+              <a:t>More work on scalability</a:t>
+            </a:r>
+          </a:p>
+          <a:p>
+            <a:r>
+              <a:rPr lang="en-US" dirty="0" smtClean="0"/>
+              <a:t>More monitoring / debugging tools</a:t>
+            </a:r>
+          </a:p>
+          <a:p>
+            <a:r>
+              <a:rPr lang="en-US" dirty="0" smtClean="0"/>
+              <a:t>Improvements on libraries (</a:t>
+            </a:r>
+            <a:r>
+              <a:rPr lang="en-US" dirty="0" err="1" smtClean="0"/>
+              <a:t>MLLib</a:t>
+            </a:r>
+            <a:r>
+              <a:rPr lang="en-US" dirty="0"/>
+              <a:t> </a:t>
+            </a:r>
+            <a:r>
+              <a:rPr lang="en-US" dirty="0" smtClean="0"/>
+              <a:t>…</a:t>
+            </a:r>
+            <a:r>
+              <a:rPr lang="en-US" dirty="0" err="1" smtClean="0"/>
+              <a:t>etc</a:t>
+            </a:r>
+            <a:r>
+              <a:rPr lang="en-US" smtClean="0"/>
+              <a:t>) </a:t>
+            </a:r>
+            <a:endParaRPr lang="en-US" dirty="0"/>
+          </a:p>
+        </p:txBody>
+      </p:sp>
+      <p:sp>
+        <p:nvSpPr>
+          <p:cNvPr id="4" name="Footer Placeholder 3"/>
+          <p:cNvSpPr>
+            <a:spLocks noGrp="1"/>
+          </p:cNvSpPr>
+          <p:nvPr>
+            <p:ph type="ftr" sz="quarter" idx="11"/>
+          </p:nvPr>
+        </p:nvSpPr>
+        <p:spPr/>
+        <p:txBody>
+          <a:bodyPr/>
+          <a:lstStyle/>
+          <a:p>
+            <a:r>
+              <a:rPr lang="en-US" smtClean="0"/>
+              <a:t>© Elephant Scale, 2014</a:t>
+            </a:r>
+            <a:endParaRPr lang="en-US" dirty="0"/>
+          </a:p>
+        </p:txBody>
+      </p:sp>
+    </p:spTree>
+    <p:extLst>
+      <p:ext uri="{BB962C8B-B14F-4D97-AF65-F5344CB8AC3E}">
+        <p14:creationId xmlns:p14="http://schemas.microsoft.com/office/powerpoint/2010/main" val="97635060"/>
+      </p:ext>
+    </p:extLst>
+  </p:cSld>
+  <p:clrMapOvr>
+    <a:masterClrMapping/>
+  </p:clrMapOvr>
+</p:sld>
+</file>
+
+<file path=ppt/slides/slide34.xml><?xml version="1.0" encoding="utf-8"?>
+<p:sld xmlns:a="http://schemas.openxmlformats.org/drawingml/2006/main" xmlns:r="http://schemas.openxmlformats.org/officeDocument/2006/relationships" xmlns:p="http://schemas.openxmlformats.org/presentationml/2006/main">
+  <p:cSld>
+    <p:spTree>
+      <p:nvGrpSpPr>
+        <p:cNvPr id="1" name=""/>
+        <p:cNvGrpSpPr/>
+        <p:nvPr/>
+      </p:nvGrpSpPr>
+      <p:grpSpPr>
+        <a:xfrm>
+          <a:off x="0" y="0"/>
+          <a:ext cx="0" cy="0"/>
+          <a:chOff x="0" y="0"/>
+          <a:chExt cx="0" cy="0"/>
+        </a:xfrm>
+      </p:grpSpPr>
+      <p:sp>
+        <p:nvSpPr>
+          <p:cNvPr id="2" name="Title 1"/>
+          <p:cNvSpPr>
+            <a:spLocks noGrp="1"/>
+          </p:cNvSpPr>
+          <p:nvPr>
+            <p:ph type="title"/>
+          </p:nvPr>
+        </p:nvSpPr>
+        <p:spPr/>
+        <p:txBody>
+          <a:bodyPr/>
+          <a:lstStyle/>
+          <a:p>
+            <a:r>
+              <a:rPr lang="en-US" dirty="0" smtClean="0"/>
+              <a:t>Thanks</a:t>
+            </a:r>
+            <a:r>
+              <a:rPr lang="en-US" smtClean="0"/>
+              <a:t>! </a:t>
+            </a:r>
+            <a:br>
+              <a:rPr lang="en-US" smtClean="0"/>
+            </a:br>
+            <a:r>
+              <a:rPr lang="en-US" smtClean="0"/>
+              <a:t>Questions </a:t>
+            </a:r>
+            <a:r>
+              <a:rPr lang="en-US" dirty="0" smtClean="0"/>
+              <a:t>?</a:t>
+            </a:r>
+            <a:endParaRPr lang="en-US" dirty="0"/>
+          </a:p>
+        </p:txBody>
+      </p:sp>
+      <p:sp>
+        <p:nvSpPr>
+          <p:cNvPr id="3" name="Content Placeholder 2"/>
+          <p:cNvSpPr>
+            <a:spLocks noGrp="1"/>
+          </p:cNvSpPr>
+          <p:nvPr>
+            <p:ph idx="1"/>
+          </p:nvPr>
+        </p:nvSpPr>
+        <p:spPr/>
+        <p:txBody>
+          <a:bodyPr/>
+          <a:lstStyle/>
+          <a:p>
+            <a:endParaRPr lang="en-US"/>
+          </a:p>
+        </p:txBody>
+      </p:sp>
+      <p:sp>
+        <p:nvSpPr>
+          <p:cNvPr id="4" name="Footer Placeholder 3"/>
+          <p:cNvSpPr>
+            <a:spLocks noGrp="1"/>
+          </p:cNvSpPr>
+          <p:nvPr>
+            <p:ph type="ftr" sz="quarter" idx="11"/>
+          </p:nvPr>
+        </p:nvSpPr>
+        <p:spPr/>
+        <p:txBody>
+          <a:bodyPr/>
+          <a:lstStyle/>
+          <a:p>
+            <a:r>
+              <a:rPr lang="en-US" smtClean="0"/>
+              <a:t>© Elephant Scale, 2014</a:t>
+            </a:r>
+            <a:endParaRPr lang="en-US" dirty="0"/>
+          </a:p>
+        </p:txBody>
+      </p:sp>
+    </p:spTree>
+    <p:extLst>
+      <p:ext uri="{BB962C8B-B14F-4D97-AF65-F5344CB8AC3E}">
+        <p14:creationId xmlns:p14="http://schemas.microsoft.com/office/powerpoint/2010/main" val="2480127510"/>
+      </p:ext>
+    </p:extLst>
+  </p:cSld>
+  <p:clrMapOvr>
+    <a:masterClrMapping/>
+  </p:clrMapOvr>
+</p:sld>
+</file>
+
+<file path=ppt/slides/slide4.xml><?xml version="1.0" encoding="utf-8"?>
+<p:sld xmlns:a="http://schemas.openxmlformats.org/drawingml/2006/main" xmlns:r="http://schemas.openxmlformats.org/officeDocument/2006/relationships" xmlns:p="http://schemas.openxmlformats.org/presentationml/2006/main">
+  <p:cSld>
+    <p:spTree>
+      <p:nvGrpSpPr>
+        <p:cNvPr id="1" name=""/>
+        <p:cNvGrpSpPr/>
+        <p:nvPr/>
+      </p:nvGrpSpPr>
+      <p:grpSpPr>
+        <a:xfrm>
+          <a:off x="0" y="0"/>
+          <a:ext cx="0" cy="0"/>
+          <a:chOff x="0" y="0"/>
+          <a:chExt cx="0" cy="0"/>
+        </a:xfrm>
+      </p:grpSpPr>
+      <p:sp>
+        <p:nvSpPr>
+          <p:cNvPr id="2" name="Title 1"/>
+          <p:cNvSpPr>
+            <a:spLocks noGrp="1"/>
+          </p:cNvSpPr>
+          <p:nvPr>
+            <p:ph type="title"/>
+          </p:nvPr>
+        </p:nvSpPr>
+        <p:spPr/>
+        <p:txBody>
+          <a:bodyPr/>
+          <a:lstStyle/>
+          <a:p>
+            <a:r>
+              <a:rPr lang="en-US" dirty="0" smtClean="0"/>
+              <a:t>Spark Job Trends</a:t>
+            </a:r>
+            <a:endParaRPr lang="en-US" dirty="0"/>
+          </a:p>
+        </p:txBody>
+      </p:sp>
+      <p:pic>
+        <p:nvPicPr>
+          <p:cNvPr id="6" name="Content Placeholder 5" descr="Screen Shot 2014-10-11 at 12.46.20 AM.png"/>
+          <p:cNvPicPr>
+            <a:picLocks noGrp="1" noChangeAspect="1"/>
+          </p:cNvPicPr>
+          <p:nvPr>
+            <p:ph idx="1"/>
+          </p:nvPr>
+        </p:nvPicPr>
+        <p:blipFill>
+          <a:blip r:embed="rId2">
+            <a:extLst>
+              <a:ext uri="{28A0092B-C50C-407E-A947-70E740481C1C}">
+                <a14:useLocalDpi xmlns:a14="http://schemas.microsoft.com/office/drawing/2010/main" val="0"/>
+              </a:ext>
+            </a:extLst>
+          </a:blip>
+          <a:srcRect l="-10555" r="-10555"/>
+          <a:stretch>
+            <a:fillRect/>
+          </a:stretch>
+        </p:blipFill>
+        <p:spPr/>
+      </p:pic>
+      <p:sp>
+        <p:nvSpPr>
+          <p:cNvPr id="4" name="Footer Placeholder 3"/>
+          <p:cNvSpPr>
+            <a:spLocks noGrp="1"/>
+          </p:cNvSpPr>
+          <p:nvPr>
+            <p:ph type="ftr" sz="quarter" idx="11"/>
+          </p:nvPr>
+        </p:nvSpPr>
+        <p:spPr/>
+        <p:txBody>
+          <a:bodyPr/>
+          <a:lstStyle/>
+          <a:p>
+            <a:r>
+              <a:rPr lang="en-US" smtClean="0"/>
+              <a:t>© Elephant Scale, 2014</a:t>
+            </a:r>
+            <a:endParaRPr lang="en-US" dirty="0"/>
+          </a:p>
+        </p:txBody>
+      </p:sp>
+    </p:spTree>
+    <p:extLst>
+      <p:ext uri="{BB962C8B-B14F-4D97-AF65-F5344CB8AC3E}">
+        <p14:creationId xmlns:p14="http://schemas.microsoft.com/office/powerpoint/2010/main" val="523301405"/>
+      </p:ext>
+    </p:extLst>
+  </p:cSld>
+  <p:clrMapOvr>
+    <a:masterClrMapping/>
+  </p:clrMapOvr>
+</p:sld>
+</file>
+
+<file path=ppt/slides/slide5.xml><?xml version="1.0" encoding="utf-8"?>
+<p:sld xmlns:a="http://schemas.openxmlformats.org/drawingml/2006/main" xmlns:r="http://schemas.openxmlformats.org/officeDocument/2006/relationships" xmlns:p="http://schemas.openxmlformats.org/presentationml/2006/main">
+  <p:cSld>
+    <p:spTree>
+      <p:nvGrpSpPr>
+        <p:cNvPr id="1" name=""/>
+        <p:cNvGrpSpPr/>
+        <p:nvPr/>
+      </p:nvGrpSpPr>
+      <p:grpSpPr>
+        <a:xfrm>
+          <a:off x="0" y="0"/>
+          <a:ext cx="0" cy="0"/>
+          <a:chOff x="0" y="0"/>
+          <a:chExt cx="0" cy="0"/>
+        </a:xfrm>
+      </p:grpSpPr>
+      <p:sp>
+        <p:nvSpPr>
+          <p:cNvPr id="2" name="Title 1"/>
+          <p:cNvSpPr>
+            <a:spLocks noGrp="1"/>
+          </p:cNvSpPr>
+          <p:nvPr>
+            <p:ph type="title"/>
+          </p:nvPr>
+        </p:nvSpPr>
+        <p:spPr/>
+        <p:txBody>
+          <a:bodyPr/>
+          <a:lstStyle/>
+          <a:p>
+            <a:r>
+              <a:rPr lang="en-US" dirty="0" smtClean="0"/>
+              <a:t>Benchmarks</a:t>
+            </a:r>
+            <a:endParaRPr lang="en-US" dirty="0"/>
+          </a:p>
+        </p:txBody>
+      </p:sp>
+      <p:pic>
+        <p:nvPicPr>
+          <p:cNvPr id="5" name="Content Placeholder 4"/>
+          <p:cNvPicPr>
+            <a:picLocks noGrp="1" noChangeAspect="1"/>
+          </p:cNvPicPr>
+          <p:nvPr>
+            <p:ph idx="1"/>
+          </p:nvPr>
+        </p:nvPicPr>
+        <p:blipFill>
+          <a:blip r:embed="rId2"/>
+          <a:srcRect l="-10870" r="-10870"/>
+          <a:stretch>
+            <a:fillRect/>
+          </a:stretch>
+        </p:blipFill>
+        <p:spPr/>
+      </p:pic>
+      <p:sp>
+        <p:nvSpPr>
+          <p:cNvPr id="4" name="Footer Placeholder 3"/>
+          <p:cNvSpPr>
+            <a:spLocks noGrp="1"/>
+          </p:cNvSpPr>
+          <p:nvPr>
+            <p:ph type="ftr" sz="quarter" idx="11"/>
+          </p:nvPr>
+        </p:nvSpPr>
+        <p:spPr/>
+        <p:txBody>
+          <a:bodyPr/>
+          <a:lstStyle/>
+          <a:p>
+            <a:r>
+              <a:rPr lang="en-US" smtClean="0"/>
+              <a:t>© Elephant Scale, 2014</a:t>
+            </a:r>
+            <a:endParaRPr lang="en-US" dirty="0"/>
+          </a:p>
+        </p:txBody>
+      </p:sp>
+      <p:sp>
+        <p:nvSpPr>
+          <p:cNvPr id="6" name="TextBox 5"/>
+          <p:cNvSpPr txBox="1"/>
+          <p:nvPr/>
+        </p:nvSpPr>
+        <p:spPr>
+          <a:xfrm>
+            <a:off x="5815397" y="6054253"/>
+            <a:ext cx="2239390" cy="369332"/>
+          </a:xfrm>
+          <a:prstGeom prst="rect">
+            <a:avLst/>
+          </a:prstGeom>
+          <a:noFill/>
+        </p:spPr>
+        <p:txBody>
+          <a:bodyPr wrap="none" rtlCol="0">
+            <a:spAutoFit/>
+          </a:bodyPr>
+          <a:lstStyle/>
+          <a:p>
+            <a:r>
+              <a:rPr lang="en-US" dirty="0" smtClean="0">
+                <a:solidFill>
+                  <a:schemeClr val="bg1">
+                    <a:lumMod val="65000"/>
+                  </a:schemeClr>
+                </a:solidFill>
+              </a:rPr>
+              <a:t>Source : </a:t>
+            </a:r>
+            <a:r>
+              <a:rPr lang="en-US" dirty="0" err="1" smtClean="0">
+                <a:solidFill>
+                  <a:schemeClr val="bg1">
+                    <a:lumMod val="65000"/>
+                  </a:schemeClr>
+                </a:solidFill>
+              </a:rPr>
+              <a:t>stratio.com</a:t>
+            </a:r>
+            <a:r>
+              <a:rPr lang="en-US" dirty="0" smtClean="0">
+                <a:solidFill>
+                  <a:schemeClr val="bg1">
+                    <a:lumMod val="65000"/>
+                  </a:schemeClr>
+                </a:solidFill>
+              </a:rPr>
+              <a:t> </a:t>
+            </a:r>
+            <a:endParaRPr lang="en-US" dirty="0">
+              <a:solidFill>
+                <a:schemeClr val="bg1">
+                  <a:lumMod val="65000"/>
+                </a:schemeClr>
+              </a:solidFill>
+            </a:endParaRPr>
+          </a:p>
+        </p:txBody>
+      </p:sp>
+    </p:spTree>
+    <p:extLst>
+      <p:ext uri="{BB962C8B-B14F-4D97-AF65-F5344CB8AC3E}">
+        <p14:creationId xmlns:p14="http://schemas.microsoft.com/office/powerpoint/2010/main" val="2088599247"/>
+      </p:ext>
+    </p:extLst>
+  </p:cSld>
+  <p:clrMapOvr>
+    <a:masterClrMapping/>
+  </p:clrMapOvr>
+  <p:timing>
+    <p:tnLst>
+      <p:par>
+        <p:cTn xmlns:p14="http://schemas.microsoft.com/office/powerpoint/2010/main" id="1" dur="indefinite" restart="never" nodeType="tmRoot"/>
+      </p:par>
+    </p:tnLst>
+  </p:timing>
+</p:sld>
+</file>
+
+<file path=ppt/slides/slide6.xml><?xml version="1.0" encoding="utf-8"?>
+<p:sld xmlns:a="http://schemas.openxmlformats.org/drawingml/2006/main" xmlns:r="http://schemas.openxmlformats.org/officeDocument/2006/relationships" xmlns:p="http://schemas.openxmlformats.org/presentationml/2006/main">
+  <p:cSld>
+    <p:spTree>
+      <p:nvGrpSpPr>
+        <p:cNvPr id="1" name=""/>
+        <p:cNvGrpSpPr/>
+        <p:nvPr/>
+      </p:nvGrpSpPr>
+      <p:grpSpPr>
+        <a:xfrm>
+          <a:off x="0" y="0"/>
+          <a:ext cx="0" cy="0"/>
+          <a:chOff x="0" y="0"/>
+          <a:chExt cx="0" cy="0"/>
+        </a:xfrm>
+      </p:grpSpPr>
+      <p:sp>
+        <p:nvSpPr>
+          <p:cNvPr id="2" name="Title 1"/>
+          <p:cNvSpPr>
+            <a:spLocks noGrp="1"/>
+          </p:cNvSpPr>
+          <p:nvPr>
+            <p:ph type="title"/>
+          </p:nvPr>
+        </p:nvSpPr>
+        <p:spPr/>
+        <p:txBody>
+          <a:bodyPr/>
+          <a:lstStyle/>
+          <a:p>
+            <a:r>
+              <a:rPr lang="en-US" dirty="0" smtClean="0"/>
+              <a:t>Code </a:t>
+            </a:r>
+            <a:r>
+              <a:rPr lang="en-US" smtClean="0"/>
+              <a:t>/ Activity</a:t>
+            </a:r>
+            <a:endParaRPr lang="en-US" dirty="0"/>
+          </a:p>
+        </p:txBody>
+      </p:sp>
+      <p:pic>
+        <p:nvPicPr>
+          <p:cNvPr id="5" name="Content Placeholder 4"/>
+          <p:cNvPicPr>
+            <a:picLocks noGrp="1" noChangeAspect="1"/>
+          </p:cNvPicPr>
+          <p:nvPr>
+            <p:ph idx="1"/>
+          </p:nvPr>
+        </p:nvPicPr>
+        <p:blipFill>
+          <a:blip r:embed="rId2"/>
+          <a:srcRect t="-19154" b="-19154"/>
+          <a:stretch>
+            <a:fillRect/>
+          </a:stretch>
+        </p:blipFill>
+        <p:spPr/>
+      </p:pic>
+      <p:sp>
+        <p:nvSpPr>
+          <p:cNvPr id="4" name="Footer Placeholder 3"/>
+          <p:cNvSpPr>
+            <a:spLocks noGrp="1"/>
+          </p:cNvSpPr>
+          <p:nvPr>
+            <p:ph type="ftr" sz="quarter" idx="11"/>
+          </p:nvPr>
+        </p:nvSpPr>
+        <p:spPr/>
+        <p:txBody>
+          <a:bodyPr/>
+          <a:lstStyle/>
+          <a:p>
+            <a:r>
+              <a:rPr lang="en-US" smtClean="0"/>
+              <a:t>© Elephant Scale, 2014</a:t>
+            </a:r>
+            <a:endParaRPr lang="en-US" dirty="0"/>
+          </a:p>
+        </p:txBody>
+      </p:sp>
+      <p:sp>
+        <p:nvSpPr>
+          <p:cNvPr id="6" name="TextBox 5"/>
+          <p:cNvSpPr txBox="1"/>
+          <p:nvPr/>
+        </p:nvSpPr>
+        <p:spPr>
+          <a:xfrm>
+            <a:off x="5815397" y="6054253"/>
+            <a:ext cx="2239390" cy="369332"/>
+          </a:xfrm>
+          <a:prstGeom prst="rect">
+            <a:avLst/>
+          </a:prstGeom>
+          <a:noFill/>
+        </p:spPr>
+        <p:txBody>
+          <a:bodyPr wrap="none" rtlCol="0">
+            <a:spAutoFit/>
+          </a:bodyPr>
+          <a:lstStyle/>
+          <a:p>
+            <a:r>
+              <a:rPr lang="en-US" dirty="0" smtClean="0">
+                <a:solidFill>
+                  <a:schemeClr val="bg1">
+                    <a:lumMod val="65000"/>
+                  </a:schemeClr>
+                </a:solidFill>
+              </a:rPr>
+              <a:t>Source : </a:t>
+            </a:r>
+            <a:r>
+              <a:rPr lang="en-US" dirty="0" err="1" smtClean="0">
+                <a:solidFill>
+                  <a:schemeClr val="bg1">
+                    <a:lumMod val="65000"/>
+                  </a:schemeClr>
+                </a:solidFill>
+              </a:rPr>
+              <a:t>stratio.com</a:t>
+            </a:r>
+            <a:r>
+              <a:rPr lang="en-US" dirty="0" smtClean="0">
+                <a:solidFill>
+                  <a:schemeClr val="bg1">
+                    <a:lumMod val="65000"/>
+                  </a:schemeClr>
+                </a:solidFill>
+              </a:rPr>
+              <a:t> </a:t>
+            </a:r>
+            <a:endParaRPr lang="en-US" dirty="0">
+              <a:solidFill>
+                <a:schemeClr val="bg1">
+                  <a:lumMod val="65000"/>
+                </a:schemeClr>
+              </a:solidFill>
+            </a:endParaRPr>
+          </a:p>
+        </p:txBody>
+      </p:sp>
+    </p:spTree>
+    <p:extLst>
+      <p:ext uri="{BB962C8B-B14F-4D97-AF65-F5344CB8AC3E}">
+        <p14:creationId xmlns:p14="http://schemas.microsoft.com/office/powerpoint/2010/main" val="1289136440"/>
+      </p:ext>
+    </p:extLst>
+  </p:cSld>
+  <p:clrMapOvr>
+    <a:masterClrMapping/>
+  </p:clrMapOvr>
+  <p:timing>
+    <p:tnLst>
+      <p:par>
+        <p:cTn xmlns:p14="http://schemas.microsoft.com/office/powerpoint/2010/main" id="1" dur="indefinite" restart="never" nodeType="tmRoot"/>
+      </p:par>
+    </p:tnLst>
+  </p:timing>
+</p:sld>
+</file>
+
+<file path=ppt/slides/slide7.xml><?xml version="1.0" encoding="utf-8"?>
+<p:sld xmlns:a="http://schemas.openxmlformats.org/drawingml/2006/main" xmlns:r="http://schemas.openxmlformats.org/officeDocument/2006/relationships" xmlns:p="http://schemas.openxmlformats.org/presentationml/2006/main">
+  <p:cSld>
+    <p:spTree>
+      <p:nvGrpSpPr>
+        <p:cNvPr id="1" name=""/>
+        <p:cNvGrpSpPr/>
+        <p:nvPr/>
+      </p:nvGrpSpPr>
+      <p:grpSpPr>
+        <a:xfrm>
+          <a:off x="0" y="0"/>
+          <a:ext cx="0" cy="0"/>
+          <a:chOff x="0" y="0"/>
+          <a:chExt cx="0" cy="0"/>
+        </a:xfrm>
+      </p:grpSpPr>
+      <p:sp>
+        <p:nvSpPr>
+          <p:cNvPr id="2" name="Title 1"/>
+          <p:cNvSpPr>
+            <a:spLocks noGrp="1"/>
+          </p:cNvSpPr>
+          <p:nvPr>
+            <p:ph type="title"/>
+          </p:nvPr>
+        </p:nvSpPr>
+        <p:spPr/>
+        <p:txBody>
+          <a:bodyPr/>
+          <a:lstStyle/>
+          <a:p>
+            <a:r>
+              <a:rPr lang="en-US" dirty="0" smtClean="0"/>
               <a:t>Timeline : Hadoop &amp; Spark</a:t>
             </a:r>
             <a:endParaRPr lang="en-US" dirty="0"/>
@@ -13409,10 +15037,17 @@
   <p:clrMapOvr>
     <a:masterClrMapping/>
   </p:clrMapOvr>
+  <p:timing>
+    <p:tnLst>
+      <p:par>
+        <p:cTn xmlns:p14="http://schemas.microsoft.com/office/powerpoint/2010/main" id="1" dur="indefinite" restart="never" nodeType="tmRoot"/>
+      </p:par>
+    </p:tnLst>
+  </p:timing>
 </p:sld>
 </file>
 
-<file path=ppt/slides/slide4.xml><?xml version="1.0" encoding="utf-8"?>
+<file path=ppt/slides/slide8.xml><?xml version="1.0" encoding="utf-8"?>
 <p:sld xmlns:a="http://schemas.openxmlformats.org/drawingml/2006/main" xmlns:r="http://schemas.openxmlformats.org/officeDocument/2006/relationships" xmlns:p="http://schemas.openxmlformats.org/presentationml/2006/main">
   <p:cSld>
     <p:spTree>
@@ -13445,14 +15080,16 @@
           <a:lstStyle/>
           <a:p>
             <a:r>
+              <a:rPr lang="en-US" smtClean="0"/>
+              <a:t>Hadoop </a:t>
+            </a:r>
+            <a:r>
+              <a:rPr lang="en-US" smtClean="0"/>
+              <a:t>Vs. </a:t>
+            </a:r>
+            <a:r>
               <a:rPr lang="en-US" dirty="0" smtClean="0"/>
-              <a:t>Hypo-meter  </a:t>
-            </a:r>
-            <a:r>
-              <a:rPr lang="en-US" dirty="0" smtClean="0">
-                <a:sym typeface="Wingdings"/>
-              </a:rPr>
-              <a:t></a:t>
+              <a:t>Spark</a:t>
             </a:r>
             <a:endParaRPr lang="en-US" dirty="0"/>
           </a:p>
@@ -13470,7 +15107,7 @@
         </p:nvPicPr>
         <p:blipFill>
           <a:blip r:embed="rId2"/>
-          <a:srcRect l="-14535" r="-14535"/>
+          <a:srcRect l="-15932" r="-15932"/>
           <a:stretch>
             <a:fillRect/>
           </a:stretch>
@@ -13500,121 +15137,398 @@
           </a:p>
         </p:txBody>
       </p:sp>
+      <p:sp>
+        <p:nvSpPr>
+          <p:cNvPr id="6" name="Oval Callout 5"/>
+          <p:cNvSpPr/>
+          <p:nvPr/>
+        </p:nvSpPr>
+        <p:spPr>
+          <a:xfrm>
+            <a:off x="1467232" y="1981200"/>
+            <a:ext cx="1516551" cy="1187350"/>
+          </a:xfrm>
+          <a:prstGeom prst="wedgeEllipseCallout">
+            <a:avLst>
+              <a:gd name="adj1" fmla="val 31200"/>
+              <a:gd name="adj2" fmla="val 71845"/>
+            </a:avLst>
+          </a:prstGeom>
+          <a:solidFill>
+            <a:srgbClr val="FEFC75"/>
+          </a:solidFill>
+        </p:spPr>
+        <p:style>
+          <a:lnRef idx="1">
+            <a:schemeClr val="accent1"/>
+          </a:lnRef>
+          <a:fillRef idx="3">
+            <a:schemeClr val="accent1"/>
+          </a:fillRef>
+          <a:effectRef idx="2">
+            <a:schemeClr val="accent1"/>
+          </a:effectRef>
+          <a:fontRef idx="minor">
+            <a:schemeClr val="lt1"/>
+          </a:fontRef>
+        </p:style>
+        <p:txBody>
+          <a:bodyPr rtlCol="0" anchor="ctr"/>
+          <a:lstStyle/>
+          <a:p>
+            <a:pPr algn="ctr"/>
+            <a:r>
+              <a:rPr lang="en-US" dirty="0" smtClean="0">
+                <a:solidFill>
+                  <a:schemeClr val="tx1"/>
+                </a:solidFill>
+              </a:rPr>
+              <a:t>Hadoop</a:t>
+            </a:r>
+            <a:endParaRPr lang="en-US" dirty="0">
+              <a:solidFill>
+                <a:schemeClr val="tx1"/>
+              </a:solidFill>
+            </a:endParaRPr>
+          </a:p>
+        </p:txBody>
+      </p:sp>
+      <p:sp>
+        <p:nvSpPr>
+          <p:cNvPr id="7" name="Oval Callout 6"/>
+          <p:cNvSpPr/>
+          <p:nvPr/>
+        </p:nvSpPr>
+        <p:spPr>
+          <a:xfrm>
+            <a:off x="5566324" y="1785135"/>
+            <a:ext cx="1516551" cy="1187350"/>
+          </a:xfrm>
+          <a:prstGeom prst="wedgeEllipseCallout">
+            <a:avLst>
+              <a:gd name="adj1" fmla="val -28150"/>
+              <a:gd name="adj2" fmla="val 70807"/>
+            </a:avLst>
+          </a:prstGeom>
+          <a:solidFill>
+            <a:srgbClr val="FEFC75"/>
+          </a:solidFill>
+        </p:spPr>
+        <p:style>
+          <a:lnRef idx="1">
+            <a:schemeClr val="accent1"/>
+          </a:lnRef>
+          <a:fillRef idx="3">
+            <a:schemeClr val="accent1"/>
+          </a:fillRef>
+          <a:effectRef idx="2">
+            <a:schemeClr val="accent1"/>
+          </a:effectRef>
+          <a:fontRef idx="minor">
+            <a:schemeClr val="lt1"/>
+          </a:fontRef>
+        </p:style>
+        <p:txBody>
+          <a:bodyPr rtlCol="0" anchor="ctr"/>
+          <a:lstStyle/>
+          <a:p>
+            <a:pPr algn="ctr"/>
+            <a:r>
+              <a:rPr lang="en-US" dirty="0" smtClean="0">
+                <a:solidFill>
+                  <a:schemeClr val="tx1"/>
+                </a:solidFill>
+              </a:rPr>
+              <a:t>Spark</a:t>
+            </a:r>
+            <a:endParaRPr lang="en-US" dirty="0">
+              <a:solidFill>
+                <a:schemeClr val="tx1"/>
+              </a:solidFill>
+            </a:endParaRPr>
+          </a:p>
+        </p:txBody>
+      </p:sp>
+      <p:sp>
+        <p:nvSpPr>
+          <p:cNvPr id="8" name="TextBox 7"/>
+          <p:cNvSpPr txBox="1"/>
+          <p:nvPr/>
+        </p:nvSpPr>
+        <p:spPr>
+          <a:xfrm>
+            <a:off x="2983783" y="6238919"/>
+            <a:ext cx="5741438" cy="369332"/>
+          </a:xfrm>
+          <a:prstGeom prst="rect">
+            <a:avLst/>
+          </a:prstGeom>
+          <a:noFill/>
+        </p:spPr>
+        <p:txBody>
+          <a:bodyPr wrap="none" rtlCol="0">
+            <a:spAutoFit/>
+          </a:bodyPr>
+          <a:lstStyle/>
+          <a:p>
+            <a:r>
+              <a:rPr lang="en-US" dirty="0">
+                <a:solidFill>
+                  <a:schemeClr val="bg1">
+                    <a:lumMod val="75000"/>
+                  </a:schemeClr>
+                </a:solidFill>
+              </a:rPr>
+              <a:t>Source : http://</a:t>
+            </a:r>
+            <a:r>
+              <a:rPr lang="en-US" dirty="0" err="1">
+                <a:solidFill>
+                  <a:schemeClr val="bg1">
+                    <a:lumMod val="75000"/>
+                  </a:schemeClr>
+                </a:solidFill>
+              </a:rPr>
+              <a:t>www.kwigger.com</a:t>
+            </a:r>
+            <a:r>
+              <a:rPr lang="en-US" dirty="0">
+                <a:solidFill>
+                  <a:schemeClr val="bg1">
+                    <a:lumMod val="75000"/>
+                  </a:schemeClr>
+                </a:solidFill>
+              </a:rPr>
+              <a:t>/</a:t>
+            </a:r>
+            <a:r>
+              <a:rPr lang="en-US" dirty="0" err="1">
+                <a:solidFill>
+                  <a:schemeClr val="bg1">
+                    <a:lumMod val="75000"/>
+                  </a:schemeClr>
+                </a:solidFill>
+              </a:rPr>
+              <a:t>mit</a:t>
+            </a:r>
+            <a:r>
+              <a:rPr lang="en-US" dirty="0">
+                <a:solidFill>
+                  <a:schemeClr val="bg1">
+                    <a:lumMod val="75000"/>
+                  </a:schemeClr>
+                </a:solidFill>
+              </a:rPr>
+              <a:t>-</a:t>
+            </a:r>
+            <a:r>
+              <a:rPr lang="en-US" dirty="0" err="1">
+                <a:solidFill>
+                  <a:schemeClr val="bg1">
+                    <a:lumMod val="75000"/>
+                  </a:schemeClr>
+                </a:solidFill>
+              </a:rPr>
+              <a:t>skifte</a:t>
+            </a:r>
+            <a:r>
+              <a:rPr lang="en-US" dirty="0">
+                <a:solidFill>
+                  <a:schemeClr val="bg1">
+                    <a:lumMod val="75000"/>
+                  </a:schemeClr>
+                </a:solidFill>
+              </a:rPr>
+              <a:t>-</a:t>
+            </a:r>
+            <a:r>
+              <a:rPr lang="en-US" dirty="0" err="1">
+                <a:solidFill>
+                  <a:schemeClr val="bg1">
+                    <a:lumMod val="75000"/>
+                  </a:schemeClr>
+                </a:solidFill>
+              </a:rPr>
+              <a:t>til</a:t>
+            </a:r>
+            <a:r>
+              <a:rPr lang="en-US" dirty="0">
+                <a:solidFill>
+                  <a:schemeClr val="bg1">
+                    <a:lumMod val="75000"/>
+                  </a:schemeClr>
+                </a:solidFill>
+              </a:rPr>
+              <a:t>-mac/</a:t>
+            </a:r>
+          </a:p>
+        </p:txBody>
+      </p:sp>
     </p:spTree>
     <p:extLst>
       <p:ext uri="{BB962C8B-B14F-4D97-AF65-F5344CB8AC3E}">
-        <p14:creationId xmlns:p14="http://schemas.microsoft.com/office/powerpoint/2010/main" val="3239069871"/>
+        <p14:creationId xmlns:p14="http://schemas.microsoft.com/office/powerpoint/2010/main" val="1490703173"/>
       </p:ext>
     </p:extLst>
   </p:cSld>
   <p:clrMapOvr>
     <a:masterClrMapping/>
   </p:clrMapOvr>
+  <p:timing>
+    <p:tnLst>
+      <p:par>
+        <p:cTn xmlns:p14="http://schemas.microsoft.com/office/powerpoint/2010/main" id="1" dur="indefinite" restart="never" nodeType="tmRoot">
+          <p:childTnLst>
+            <p:seq concurrent="1" nextAc="seek">
+              <p:cTn id="2" dur="indefinite" nodeType="mainSeq">
+                <p:childTnLst>
+                  <p:par>
+                    <p:cTn id="3" fill="hold">
+                      <p:stCondLst>
+                        <p:cond delay="indefinite"/>
+                      </p:stCondLst>
+                      <p:childTnLst>
+                        <p:par>
+                          <p:cTn id="4" fill="hold">
+                            <p:stCondLst>
+                              <p:cond delay="0"/>
+                            </p:stCondLst>
+                            <p:childTnLst>
+                              <p:par>
+                                <p:cTn id="5" presetID="1" presetClass="entr" presetSubtype="0" fill="hold" nodeType="clickEffect">
+                                  <p:stCondLst>
+                                    <p:cond delay="0"/>
+                                  </p:stCondLst>
+                                  <p:childTnLst>
+                                    <p:set>
+                                      <p:cBhvr>
+                                        <p:cTn id="6" dur="1" fill="hold">
+                                          <p:stCondLst>
+                                            <p:cond delay="0"/>
+                                          </p:stCondLst>
+                                        </p:cTn>
+                                        <p:tgtEl>
+                                          <p:spTgt spid="5"/>
+                                        </p:tgtEl>
+                                        <p:attrNameLst>
+                                          <p:attrName>style.visibility</p:attrName>
+                                        </p:attrNameLst>
+                                      </p:cBhvr>
+                                      <p:to>
+                                        <p:strVal val="visible"/>
+                                      </p:to>
+                                    </p:set>
+                                  </p:childTnLst>
+                                </p:cTn>
+                              </p:par>
+                            </p:childTnLst>
+                          </p:cTn>
+                        </p:par>
+                      </p:childTnLst>
+                    </p:cTn>
+                  </p:par>
+                  <p:par>
+                    <p:cTn id="7" fill="hold">
+                      <p:stCondLst>
+                        <p:cond delay="indefinite"/>
+                      </p:stCondLst>
+                      <p:childTnLst>
+                        <p:par>
+                          <p:cTn id="8" fill="hold">
+                            <p:stCondLst>
+                              <p:cond delay="0"/>
+                            </p:stCondLst>
+                            <p:childTnLst>
+                              <p:par>
+                                <p:cTn id="9" presetID="1" presetClass="entr" presetSubtype="0" fill="hold" grpId="0" nodeType="clickEffect">
+                                  <p:stCondLst>
+                                    <p:cond delay="0"/>
+                                  </p:stCondLst>
+                                  <p:childTnLst>
+                                    <p:set>
+                                      <p:cBhvr>
+                                        <p:cTn id="10" dur="1" fill="hold">
+                                          <p:stCondLst>
+                                            <p:cond delay="0"/>
+                                          </p:stCondLst>
+                                        </p:cTn>
+                                        <p:tgtEl>
+                                          <p:spTgt spid="6"/>
+                                        </p:tgtEl>
+                                        <p:attrNameLst>
+                                          <p:attrName>style.visibility</p:attrName>
+                                        </p:attrNameLst>
+                                      </p:cBhvr>
+                                      <p:to>
+                                        <p:strVal val="visible"/>
+                                      </p:to>
+                                    </p:set>
+                                  </p:childTnLst>
+                                </p:cTn>
+                              </p:par>
+                              <p:par>
+                                <p:cTn id="11" presetID="1" presetClass="entr" presetSubtype="0" fill="hold" grpId="0" nodeType="withEffect">
+                                  <p:stCondLst>
+                                    <p:cond delay="0"/>
+                                  </p:stCondLst>
+                                  <p:childTnLst>
+                                    <p:set>
+                                      <p:cBhvr>
+                                        <p:cTn id="12" dur="1" fill="hold">
+                                          <p:stCondLst>
+                                            <p:cond delay="0"/>
+                                          </p:stCondLst>
+                                        </p:cTn>
+                                        <p:tgtEl>
+                                          <p:spTgt spid="7"/>
+                                        </p:tgtEl>
+                                        <p:attrNameLst>
+                                          <p:attrName>style.visibility</p:attrName>
+                                        </p:attrNameLst>
+                                      </p:cBhvr>
+                                      <p:to>
+                                        <p:strVal val="visible"/>
+                                      </p:to>
+                                    </p:set>
+                                  </p:childTnLst>
+                                </p:cTn>
+                              </p:par>
+                            </p:childTnLst>
+                          </p:cTn>
+                        </p:par>
+                      </p:childTnLst>
+                    </p:cTn>
+                  </p:par>
+                </p:childTnLst>
+              </p:cTn>
+              <p:prevCondLst>
+                <p:cond evt="onPrev" delay="0">
+                  <p:tgtEl>
+                    <p:sldTgt/>
+                  </p:tgtEl>
+                </p:cond>
+              </p:prevCondLst>
+              <p:nextCondLst>
+                <p:cond evt="onNext" delay="0">
+                  <p:tgtEl>
+                    <p:sldTgt/>
+                  </p:tgtEl>
+                </p:cond>
+              </p:nextCondLst>
+            </p:seq>
+          </p:childTnLst>
+        </p:cTn>
+      </p:par>
+    </p:tnLst>
+    <p:bldLst>
+      <p:bldP spid="6" grpId="0" animBg="1"/>
+      <p:bldP spid="7" grpId="0" animBg="1"/>
+    </p:bldLst>
+  </p:timing>
 </p:sld>
 </file>
 
-<file path=ppt/slides/slide5.xml><?xml version="1.0" encoding="utf-8"?>
-<p:sld xmlns:a="http://schemas.openxmlformats.org/drawingml/2006/main" xmlns:r="http://schemas.openxmlformats.org/officeDocument/2006/relationships" xmlns:p="http://schemas.openxmlformats.org/presentationml/2006/main">
-  <p:cSld>
-    <p:spTree>
-      <p:nvGrpSpPr>
-        <p:cNvPr id="1" name=""/>
-        <p:cNvGrpSpPr/>
-        <p:nvPr/>
-      </p:nvGrpSpPr>
-      <p:grpSpPr>
-        <a:xfrm>
-          <a:off x="0" y="0"/>
-          <a:ext cx="0" cy="0"/>
-          <a:chOff x="0" y="0"/>
-          <a:chExt cx="0" cy="0"/>
-        </a:xfrm>
-      </p:grpSpPr>
-      <p:sp>
-        <p:nvSpPr>
-          <p:cNvPr id="2" name="Title 1"/>
-          <p:cNvSpPr>
-            <a:spLocks noGrp="1"/>
-          </p:cNvSpPr>
-          <p:nvPr>
-            <p:ph type="title"/>
-          </p:nvPr>
-        </p:nvSpPr>
-        <p:spPr/>
-        <p:txBody>
-          <a:bodyPr/>
-          <a:lstStyle/>
-          <a:p>
-            <a:r>
-              <a:rPr lang="en-US" dirty="0" smtClean="0"/>
-              <a:t>Spark Job Trends</a:t>
-            </a:r>
-            <a:endParaRPr lang="en-US" dirty="0"/>
-          </a:p>
-        </p:txBody>
-      </p:sp>
-      <p:pic>
-        <p:nvPicPr>
-          <p:cNvPr id="6" name="Content Placeholder 5" descr="Screen Shot 2014-10-11 at 12.46.20 AM.png"/>
-          <p:cNvPicPr>
-            <a:picLocks noGrp="1" noChangeAspect="1"/>
-          </p:cNvPicPr>
-          <p:nvPr>
-            <p:ph idx="1"/>
-          </p:nvPr>
-        </p:nvPicPr>
-        <p:blipFill>
-          <a:blip r:embed="rId2">
-            <a:extLst>
-              <a:ext uri="{28A0092B-C50C-407E-A947-70E740481C1C}">
-                <a14:useLocalDpi xmlns:a14="http://schemas.microsoft.com/office/drawing/2010/main" val="0"/>
-              </a:ext>
-            </a:extLst>
-          </a:blip>
-          <a:srcRect l="-10555" r="-10555"/>
-          <a:stretch>
-            <a:fillRect/>
-          </a:stretch>
-        </p:blipFill>
-        <p:spPr/>
-      </p:pic>
-      <p:sp>
-        <p:nvSpPr>
-          <p:cNvPr id="4" name="Footer Placeholder 3"/>
-          <p:cNvSpPr>
-            <a:spLocks noGrp="1"/>
-          </p:cNvSpPr>
-          <p:nvPr>
-            <p:ph type="ftr" sz="quarter" idx="11"/>
-          </p:nvPr>
-        </p:nvSpPr>
-        <p:spPr/>
-        <p:txBody>
-          <a:bodyPr/>
-          <a:lstStyle/>
-          <a:p>
-            <a:r>
-              <a:rPr lang="en-US" smtClean="0"/>
-              <a:t>© Elephant Scale, 2014</a:t>
-            </a:r>
-            <a:endParaRPr lang="en-US" dirty="0"/>
-          </a:p>
-        </p:txBody>
-      </p:sp>
-    </p:spTree>
-    <p:extLst>
-      <p:ext uri="{BB962C8B-B14F-4D97-AF65-F5344CB8AC3E}">
-        <p14:creationId xmlns:p14="http://schemas.microsoft.com/office/powerpoint/2010/main" val="523301405"/>
-      </p:ext>
-    </p:extLst>
-  </p:cSld>
-  <p:clrMapOvr>
-    <a:masterClrMapping/>
-  </p:clrMapOvr>
-</p:sld>
-</file>
-
-<file path=ppt/slides/slide6.xml><?xml version="1.0" encoding="utf-8"?>
+<file path=ppt/slides/slide9.xml><?xml version="1.0" encoding="utf-8"?>
 <p:sld xmlns:a="http://schemas.openxmlformats.org/drawingml/2006/main" xmlns:r="http://schemas.openxmlformats.org/officeDocument/2006/relationships" xmlns:p="http://schemas.openxmlformats.org/presentationml/2006/main">
   <p:cSld>
     <p:spTree>
@@ -14040,809 +15954,6 @@
     <p:extLst>
       <p:ext uri="{BB962C8B-B14F-4D97-AF65-F5344CB8AC3E}">
         <p14:creationId xmlns:p14="http://schemas.microsoft.com/office/powerpoint/2010/main" val="2760162401"/>
-      </p:ext>
-    </p:extLst>
-  </p:cSld>
-  <p:clrMapOvr>
-    <a:masterClrMapping/>
-  </p:clrMapOvr>
-  <p:timing>
-    <p:tnLst>
-      <p:par>
-        <p:cTn xmlns:p14="http://schemas.microsoft.com/office/powerpoint/2010/main" id="1" dur="indefinite" restart="never" nodeType="tmRoot"/>
-      </p:par>
-    </p:tnLst>
-  </p:timing>
-</p:sld>
-</file>
-
-<file path=ppt/slides/slide7.xml><?xml version="1.0" encoding="utf-8"?>
-<p:sld xmlns:a="http://schemas.openxmlformats.org/drawingml/2006/main" xmlns:r="http://schemas.openxmlformats.org/officeDocument/2006/relationships" xmlns:p="http://schemas.openxmlformats.org/presentationml/2006/main">
-  <p:cSld>
-    <p:spTree>
-      <p:nvGrpSpPr>
-        <p:cNvPr id="1" name=""/>
-        <p:cNvGrpSpPr/>
-        <p:nvPr/>
-      </p:nvGrpSpPr>
-      <p:grpSpPr>
-        <a:xfrm>
-          <a:off x="0" y="0"/>
-          <a:ext cx="0" cy="0"/>
-          <a:chOff x="0" y="0"/>
-          <a:chExt cx="0" cy="0"/>
-        </a:xfrm>
-      </p:grpSpPr>
-      <p:sp>
-        <p:nvSpPr>
-          <p:cNvPr id="16385" name="Title 1"/>
-          <p:cNvSpPr>
-            <a:spLocks noGrp="1"/>
-          </p:cNvSpPr>
-          <p:nvPr>
-            <p:ph type="title"/>
-          </p:nvPr>
-        </p:nvSpPr>
-        <p:spPr/>
-        <p:txBody>
-          <a:bodyPr/>
-          <a:lstStyle/>
-          <a:p>
-            <a:r>
-              <a:rPr lang="en-US" dirty="0" smtClean="0"/>
-              <a:t>Hadoop + Yarn : Universal OS for Distributed Compute</a:t>
-            </a:r>
-            <a:endParaRPr lang="en-US" dirty="0">
-              <a:latin typeface="Arial" charset="0"/>
-            </a:endParaRPr>
-          </a:p>
-        </p:txBody>
-      </p:sp>
-      <p:sp>
-        <p:nvSpPr>
-          <p:cNvPr id="16386" name="Content Placeholder 2"/>
-          <p:cNvSpPr>
-            <a:spLocks noGrp="1"/>
-          </p:cNvSpPr>
-          <p:nvPr>
-            <p:ph idx="1"/>
-          </p:nvPr>
-        </p:nvSpPr>
-        <p:spPr/>
-        <p:txBody>
-          <a:bodyPr/>
-          <a:lstStyle/>
-          <a:p>
-            <a:endParaRPr lang="en-US" dirty="0">
-              <a:latin typeface="Arial" charset="0"/>
-            </a:endParaRPr>
-          </a:p>
-        </p:txBody>
-      </p:sp>
-      <p:sp>
-        <p:nvSpPr>
-          <p:cNvPr id="4" name="Rectangle 3"/>
-          <p:cNvSpPr/>
-          <p:nvPr/>
-        </p:nvSpPr>
-        <p:spPr>
-          <a:xfrm>
-            <a:off x="685800" y="4800600"/>
-            <a:ext cx="5943600" cy="496888"/>
-          </a:xfrm>
-          <a:prstGeom prst="rect">
-            <a:avLst/>
-          </a:prstGeom>
-        </p:spPr>
-        <p:style>
-          <a:lnRef idx="1">
-            <a:schemeClr val="accent1"/>
-          </a:lnRef>
-          <a:fillRef idx="3">
-            <a:schemeClr val="accent1"/>
-          </a:fillRef>
-          <a:effectRef idx="2">
-            <a:schemeClr val="accent1"/>
-          </a:effectRef>
-          <a:fontRef idx="minor">
-            <a:schemeClr val="lt1"/>
-          </a:fontRef>
-        </p:style>
-        <p:txBody>
-          <a:bodyPr anchor="ctr"/>
-          <a:lstStyle/>
-          <a:p>
-            <a:pPr algn="ctr">
-              <a:defRPr/>
-            </a:pPr>
-            <a:r>
-              <a:rPr lang="en-US" dirty="0">
-                <a:solidFill>
-                  <a:srgbClr val="000000"/>
-                </a:solidFill>
-              </a:rPr>
-              <a:t>HDFS</a:t>
-            </a:r>
-          </a:p>
-        </p:txBody>
-      </p:sp>
-      <p:sp>
-        <p:nvSpPr>
-          <p:cNvPr id="5" name="Rounded Rectangle 4"/>
-          <p:cNvSpPr/>
-          <p:nvPr/>
-        </p:nvSpPr>
-        <p:spPr>
-          <a:xfrm>
-            <a:off x="685800" y="3886200"/>
-            <a:ext cx="5943600" cy="746125"/>
-          </a:xfrm>
-          <a:prstGeom prst="roundRect">
-            <a:avLst/>
-          </a:prstGeom>
-        </p:spPr>
-        <p:style>
-          <a:lnRef idx="2">
-            <a:schemeClr val="accent5">
-              <a:shade val="50000"/>
-            </a:schemeClr>
-          </a:lnRef>
-          <a:fillRef idx="1">
-            <a:schemeClr val="accent5"/>
-          </a:fillRef>
-          <a:effectRef idx="0">
-            <a:schemeClr val="accent5"/>
-          </a:effectRef>
-          <a:fontRef idx="minor">
-            <a:schemeClr val="lt1"/>
-          </a:fontRef>
-        </p:style>
-        <p:txBody>
-          <a:bodyPr anchor="ctr"/>
-          <a:lstStyle/>
-          <a:p>
-            <a:pPr algn="ctr">
-              <a:defRPr/>
-            </a:pPr>
-            <a:r>
-              <a:rPr lang="en-US" dirty="0">
-                <a:solidFill>
-                  <a:srgbClr val="000000"/>
-                </a:solidFill>
-              </a:rPr>
-              <a:t>YARN</a:t>
-            </a:r>
-          </a:p>
-        </p:txBody>
-      </p:sp>
-      <p:sp>
-        <p:nvSpPr>
-          <p:cNvPr id="6" name="Snip Diagonal Corner Rectangle 5"/>
-          <p:cNvSpPr/>
-          <p:nvPr/>
-        </p:nvSpPr>
-        <p:spPr>
-          <a:xfrm>
-            <a:off x="914400" y="2895600"/>
-            <a:ext cx="1656470" cy="603250"/>
-          </a:xfrm>
-          <a:prstGeom prst="snip2DiagRect">
-            <a:avLst/>
-          </a:prstGeom>
-        </p:spPr>
-        <p:style>
-          <a:lnRef idx="2">
-            <a:schemeClr val="accent6">
-              <a:shade val="50000"/>
-            </a:schemeClr>
-          </a:lnRef>
-          <a:fillRef idx="1">
-            <a:schemeClr val="accent6"/>
-          </a:fillRef>
-          <a:effectRef idx="0">
-            <a:schemeClr val="accent6"/>
-          </a:effectRef>
-          <a:fontRef idx="minor">
-            <a:schemeClr val="lt1"/>
-          </a:fontRef>
-        </p:style>
-        <p:txBody>
-          <a:bodyPr anchor="ctr"/>
-          <a:lstStyle/>
-          <a:p>
-            <a:pPr algn="ctr">
-              <a:defRPr/>
-            </a:pPr>
-            <a:r>
-              <a:rPr lang="en-US" dirty="0"/>
-              <a:t>Batch</a:t>
-            </a:r>
-          </a:p>
-          <a:p>
-            <a:pPr algn="ctr">
-              <a:defRPr/>
-            </a:pPr>
-            <a:r>
-              <a:rPr lang="en-US" dirty="0"/>
-              <a:t>(</a:t>
-            </a:r>
-            <a:r>
-              <a:rPr lang="en-US" dirty="0" err="1"/>
-              <a:t>mapreduce</a:t>
-            </a:r>
-            <a:r>
-              <a:rPr lang="en-US" dirty="0"/>
-              <a:t>)</a:t>
-            </a:r>
-          </a:p>
-        </p:txBody>
-      </p:sp>
-      <p:sp>
-        <p:nvSpPr>
-          <p:cNvPr id="7" name="Snip Diagonal Corner Rectangle 6"/>
-          <p:cNvSpPr/>
-          <p:nvPr/>
-        </p:nvSpPr>
-        <p:spPr>
-          <a:xfrm>
-            <a:off x="3048000" y="2895600"/>
-            <a:ext cx="1403350" cy="604838"/>
-          </a:xfrm>
-          <a:prstGeom prst="snip2DiagRect">
-            <a:avLst/>
-          </a:prstGeom>
-        </p:spPr>
-        <p:style>
-          <a:lnRef idx="2">
-            <a:schemeClr val="accent6">
-              <a:shade val="50000"/>
-            </a:schemeClr>
-          </a:lnRef>
-          <a:fillRef idx="1">
-            <a:schemeClr val="accent6"/>
-          </a:fillRef>
-          <a:effectRef idx="0">
-            <a:schemeClr val="accent6"/>
-          </a:effectRef>
-          <a:fontRef idx="minor">
-            <a:schemeClr val="lt1"/>
-          </a:fontRef>
-        </p:style>
-        <p:txBody>
-          <a:bodyPr anchor="ctr"/>
-          <a:lstStyle/>
-          <a:p>
-            <a:pPr algn="ctr">
-              <a:defRPr/>
-            </a:pPr>
-            <a:r>
-              <a:rPr lang="en-US" dirty="0"/>
-              <a:t>Streaming</a:t>
-            </a:r>
-          </a:p>
-          <a:p>
-            <a:pPr algn="ctr">
-              <a:defRPr/>
-            </a:pPr>
-            <a:r>
-              <a:rPr lang="en-US" dirty="0"/>
-              <a:t>(storm, S4)</a:t>
-            </a:r>
-          </a:p>
-        </p:txBody>
-      </p:sp>
-      <p:sp>
-        <p:nvSpPr>
-          <p:cNvPr id="8" name="Snip Diagonal Corner Rectangle 7"/>
-          <p:cNvSpPr/>
-          <p:nvPr/>
-        </p:nvSpPr>
-        <p:spPr>
-          <a:xfrm>
-            <a:off x="5029200" y="2895600"/>
-            <a:ext cx="1600200" cy="603250"/>
-          </a:xfrm>
-          <a:prstGeom prst="snip2DiagRect">
-            <a:avLst/>
-          </a:prstGeom>
-        </p:spPr>
-        <p:style>
-          <a:lnRef idx="2">
-            <a:schemeClr val="accent6">
-              <a:shade val="50000"/>
-            </a:schemeClr>
-          </a:lnRef>
-          <a:fillRef idx="1">
-            <a:schemeClr val="accent6"/>
-          </a:fillRef>
-          <a:effectRef idx="0">
-            <a:schemeClr val="accent6"/>
-          </a:effectRef>
-          <a:fontRef idx="minor">
-            <a:schemeClr val="lt1"/>
-          </a:fontRef>
-        </p:style>
-        <p:txBody>
-          <a:bodyPr anchor="ctr"/>
-          <a:lstStyle/>
-          <a:p>
-            <a:pPr algn="ctr">
-              <a:defRPr/>
-            </a:pPr>
-            <a:r>
-              <a:rPr lang="en-US" dirty="0"/>
-              <a:t>In-memory</a:t>
-            </a:r>
-          </a:p>
-          <a:p>
-            <a:pPr algn="ctr">
-              <a:defRPr/>
-            </a:pPr>
-            <a:r>
-              <a:rPr lang="en-US" dirty="0"/>
-              <a:t>(spark)</a:t>
-            </a:r>
-          </a:p>
-        </p:txBody>
-      </p:sp>
-      <p:sp>
-        <p:nvSpPr>
-          <p:cNvPr id="2" name="Rectangular Callout 1"/>
-          <p:cNvSpPr/>
-          <p:nvPr/>
-        </p:nvSpPr>
-        <p:spPr>
-          <a:xfrm>
-            <a:off x="7239000" y="4724400"/>
-            <a:ext cx="1385192" cy="612775"/>
-          </a:xfrm>
-          <a:prstGeom prst="wedgeRectCallout">
-            <a:avLst>
-              <a:gd name="adj1" fmla="val -118523"/>
-              <a:gd name="adj2" fmla="val 4532"/>
-            </a:avLst>
-          </a:prstGeom>
-          <a:solidFill>
-            <a:srgbClr val="FFFF00"/>
-          </a:solidFill>
-        </p:spPr>
-        <p:style>
-          <a:lnRef idx="1">
-            <a:schemeClr val="accent1"/>
-          </a:lnRef>
-          <a:fillRef idx="3">
-            <a:schemeClr val="accent1"/>
-          </a:fillRef>
-          <a:effectRef idx="2">
-            <a:schemeClr val="accent1"/>
-          </a:effectRef>
-          <a:fontRef idx="minor">
-            <a:schemeClr val="lt1"/>
-          </a:fontRef>
-        </p:style>
-        <p:txBody>
-          <a:bodyPr anchor="ctr"/>
-          <a:lstStyle/>
-          <a:p>
-            <a:pPr algn="ctr">
-              <a:defRPr/>
-            </a:pPr>
-            <a:r>
-              <a:rPr lang="en-US" dirty="0">
-                <a:solidFill>
-                  <a:srgbClr val="000000"/>
-                </a:solidFill>
-              </a:rPr>
-              <a:t>Storage</a:t>
-            </a:r>
-          </a:p>
-        </p:txBody>
-      </p:sp>
-      <p:sp>
-        <p:nvSpPr>
-          <p:cNvPr id="10" name="Rectangular Callout 9"/>
-          <p:cNvSpPr/>
-          <p:nvPr/>
-        </p:nvSpPr>
-        <p:spPr>
-          <a:xfrm>
-            <a:off x="7239000" y="3962400"/>
-            <a:ext cx="1538830" cy="612775"/>
-          </a:xfrm>
-          <a:prstGeom prst="wedgeRectCallout">
-            <a:avLst>
-              <a:gd name="adj1" fmla="val -91106"/>
-              <a:gd name="adj2" fmla="val -4251"/>
-            </a:avLst>
-          </a:prstGeom>
-          <a:solidFill>
-            <a:srgbClr val="FFFF00"/>
-          </a:solidFill>
-        </p:spPr>
-        <p:style>
-          <a:lnRef idx="1">
-            <a:schemeClr val="accent1"/>
-          </a:lnRef>
-          <a:fillRef idx="3">
-            <a:schemeClr val="accent1"/>
-          </a:fillRef>
-          <a:effectRef idx="2">
-            <a:schemeClr val="accent1"/>
-          </a:effectRef>
-          <a:fontRef idx="minor">
-            <a:schemeClr val="lt1"/>
-          </a:fontRef>
-        </p:style>
-        <p:txBody>
-          <a:bodyPr anchor="ctr"/>
-          <a:lstStyle/>
-          <a:p>
-            <a:pPr algn="ctr">
-              <a:defRPr/>
-            </a:pPr>
-            <a:r>
-              <a:rPr lang="en-US" dirty="0">
-                <a:solidFill>
-                  <a:srgbClr val="000000"/>
-                </a:solidFill>
-              </a:rPr>
-              <a:t>Cluster</a:t>
-            </a:r>
-          </a:p>
-          <a:p>
-            <a:pPr algn="ctr">
-              <a:defRPr/>
-            </a:pPr>
-            <a:r>
-              <a:rPr lang="en-US" dirty="0">
-                <a:solidFill>
-                  <a:srgbClr val="000000"/>
-                </a:solidFill>
-              </a:rPr>
-              <a:t>Management</a:t>
-            </a:r>
-          </a:p>
-        </p:txBody>
-      </p:sp>
-      <p:sp>
-        <p:nvSpPr>
-          <p:cNvPr id="11" name="Rectangular Callout 10"/>
-          <p:cNvSpPr/>
-          <p:nvPr/>
-        </p:nvSpPr>
-        <p:spPr>
-          <a:xfrm>
-            <a:off x="7086599" y="2971800"/>
-            <a:ext cx="1537593" cy="612775"/>
-          </a:xfrm>
-          <a:prstGeom prst="wedgeRectCallout">
-            <a:avLst>
-              <a:gd name="adj1" fmla="val -91106"/>
-              <a:gd name="adj2" fmla="val -4251"/>
-            </a:avLst>
-          </a:prstGeom>
-          <a:solidFill>
-            <a:srgbClr val="FFFF00"/>
-          </a:solidFill>
-        </p:spPr>
-        <p:style>
-          <a:lnRef idx="1">
-            <a:schemeClr val="accent1"/>
-          </a:lnRef>
-          <a:fillRef idx="3">
-            <a:schemeClr val="accent1"/>
-          </a:fillRef>
-          <a:effectRef idx="2">
-            <a:schemeClr val="accent1"/>
-          </a:effectRef>
-          <a:fontRef idx="minor">
-            <a:schemeClr val="lt1"/>
-          </a:fontRef>
-        </p:style>
-        <p:txBody>
-          <a:bodyPr anchor="ctr"/>
-          <a:lstStyle/>
-          <a:p>
-            <a:pPr algn="ctr">
-              <a:defRPr/>
-            </a:pPr>
-            <a:r>
-              <a:rPr lang="en-US" dirty="0">
-                <a:solidFill>
-                  <a:srgbClr val="000000"/>
-                </a:solidFill>
-              </a:rPr>
-              <a:t>Applications</a:t>
-            </a:r>
-          </a:p>
-        </p:txBody>
-      </p:sp>
-    </p:spTree>
-    <p:extLst>
-      <p:ext uri="{BB962C8B-B14F-4D97-AF65-F5344CB8AC3E}">
-        <p14:creationId xmlns:p14="http://schemas.microsoft.com/office/powerpoint/2010/main" val="3253020857"/>
-      </p:ext>
-    </p:extLst>
-  </p:cSld>
-  <p:clrMapOvr>
-    <a:masterClrMapping/>
-  </p:clrMapOvr>
-  <p:timing>
-    <p:tnLst>
-      <p:par>
-        <p:cTn xmlns:p14="http://schemas.microsoft.com/office/powerpoint/2010/main" id="1" dur="indefinite" restart="never" nodeType="tmRoot"/>
-      </p:par>
-    </p:tnLst>
-  </p:timing>
-</p:sld>
-</file>
-
-<file path=ppt/slides/slide8.xml><?xml version="1.0" encoding="utf-8"?>
-<p:sld xmlns:a="http://schemas.openxmlformats.org/drawingml/2006/main" xmlns:r="http://schemas.openxmlformats.org/officeDocument/2006/relationships" xmlns:p="http://schemas.openxmlformats.org/presentationml/2006/main">
-  <p:cSld>
-    <p:spTree>
-      <p:nvGrpSpPr>
-        <p:cNvPr id="1" name=""/>
-        <p:cNvGrpSpPr/>
-        <p:nvPr/>
-      </p:nvGrpSpPr>
-      <p:grpSpPr>
-        <a:xfrm>
-          <a:off x="0" y="0"/>
-          <a:ext cx="0" cy="0"/>
-          <a:chOff x="0" y="0"/>
-          <a:chExt cx="0" cy="0"/>
-        </a:xfrm>
-      </p:grpSpPr>
-      <p:sp>
-        <p:nvSpPr>
-          <p:cNvPr id="2" name="Title 1"/>
-          <p:cNvSpPr>
-            <a:spLocks noGrp="1"/>
-          </p:cNvSpPr>
-          <p:nvPr>
-            <p:ph type="title"/>
-          </p:nvPr>
-        </p:nvSpPr>
-        <p:spPr/>
-        <p:txBody>
-          <a:bodyPr/>
-          <a:lstStyle/>
-          <a:p>
-            <a:r>
-              <a:rPr lang="en-US" dirty="0" smtClean="0"/>
-              <a:t>Spark </a:t>
-            </a:r>
-            <a:r>
-              <a:rPr lang="en-US" dirty="0" err="1" smtClean="0"/>
-              <a:t>Vs</a:t>
-            </a:r>
-            <a:r>
-              <a:rPr lang="en-US" dirty="0" smtClean="0"/>
-              <a:t> Hadoop</a:t>
-            </a:r>
-            <a:endParaRPr lang="en-US" dirty="0"/>
-          </a:p>
-        </p:txBody>
-      </p:sp>
-      <p:sp>
-        <p:nvSpPr>
-          <p:cNvPr id="3" name="Content Placeholder 2"/>
-          <p:cNvSpPr>
-            <a:spLocks noGrp="1"/>
-          </p:cNvSpPr>
-          <p:nvPr>
-            <p:ph idx="1"/>
-          </p:nvPr>
-        </p:nvSpPr>
-        <p:spPr/>
-        <p:txBody>
-          <a:bodyPr>
-            <a:normAutofit/>
-          </a:bodyPr>
-          <a:lstStyle/>
-          <a:p>
-            <a:r>
-              <a:rPr lang="en-US" dirty="0"/>
-              <a:t>Spark is ‘easier’ than Hadoop</a:t>
-            </a:r>
-          </a:p>
-          <a:p>
-            <a:r>
-              <a:rPr lang="en-US" dirty="0"/>
-              <a:t>‘friendlier’ for data scientists / analysts</a:t>
-            </a:r>
-          </a:p>
-          <a:p>
-            <a:pPr lvl="1"/>
-            <a:r>
-              <a:rPr lang="en-US" dirty="0"/>
-              <a:t>Interactive shell </a:t>
-            </a:r>
-          </a:p>
-          <a:p>
-            <a:pPr lvl="2"/>
-            <a:r>
-              <a:rPr lang="en-US" dirty="0"/>
-              <a:t>fast development cycles</a:t>
-            </a:r>
-          </a:p>
-          <a:p>
-            <a:pPr lvl="2"/>
-            <a:r>
-              <a:rPr lang="en-US" dirty="0" err="1"/>
-              <a:t>adhoc</a:t>
-            </a:r>
-            <a:r>
-              <a:rPr lang="en-US" dirty="0"/>
-              <a:t> exploration</a:t>
-            </a:r>
-          </a:p>
-          <a:p>
-            <a:r>
-              <a:rPr lang="en-US" dirty="0"/>
-              <a:t>API supports multiple languages</a:t>
-            </a:r>
-          </a:p>
-          <a:p>
-            <a:pPr lvl="1"/>
-            <a:r>
-              <a:rPr lang="en-US" dirty="0"/>
-              <a:t>Java, </a:t>
-            </a:r>
-            <a:r>
-              <a:rPr lang="en-US" dirty="0" err="1"/>
-              <a:t>Scala</a:t>
-            </a:r>
-            <a:r>
-              <a:rPr lang="en-US" dirty="0"/>
-              <a:t>, Python</a:t>
-            </a:r>
-          </a:p>
-          <a:p>
-            <a:r>
-              <a:rPr lang="en-US" dirty="0"/>
-              <a:t>Great for small (Gigs) to medium (100s of Gigs) data</a:t>
-            </a:r>
-          </a:p>
-          <a:p>
-            <a:endParaRPr lang="en-US" dirty="0"/>
-          </a:p>
-        </p:txBody>
-      </p:sp>
-      <p:sp>
-        <p:nvSpPr>
-          <p:cNvPr id="4" name="Footer Placeholder 3"/>
-          <p:cNvSpPr>
-            <a:spLocks noGrp="1"/>
-          </p:cNvSpPr>
-          <p:nvPr>
-            <p:ph type="ftr" sz="quarter" idx="11"/>
-          </p:nvPr>
-        </p:nvSpPr>
-        <p:spPr/>
-        <p:txBody>
-          <a:bodyPr/>
-          <a:lstStyle/>
-          <a:p>
-            <a:r>
-              <a:rPr lang="en-US" smtClean="0"/>
-              <a:t>© Elephant Scale, 2014</a:t>
-            </a:r>
-            <a:endParaRPr lang="en-US" dirty="0"/>
-          </a:p>
-        </p:txBody>
-      </p:sp>
-    </p:spTree>
-    <p:extLst>
-      <p:ext uri="{BB962C8B-B14F-4D97-AF65-F5344CB8AC3E}">
-        <p14:creationId xmlns:p14="http://schemas.microsoft.com/office/powerpoint/2010/main" val="1597985223"/>
-      </p:ext>
-    </p:extLst>
-  </p:cSld>
-  <p:clrMapOvr>
-    <a:masterClrMapping/>
-  </p:clrMapOvr>
-</p:sld>
-</file>
-
-<file path=ppt/slides/slide9.xml><?xml version="1.0" encoding="utf-8"?>
-<p:sld xmlns:a="http://schemas.openxmlformats.org/drawingml/2006/main" xmlns:r="http://schemas.openxmlformats.org/officeDocument/2006/relationships" xmlns:p="http://schemas.openxmlformats.org/presentationml/2006/main">
-  <p:cSld>
-    <p:spTree>
-      <p:nvGrpSpPr>
-        <p:cNvPr id="1" name=""/>
-        <p:cNvGrpSpPr/>
-        <p:nvPr/>
-      </p:nvGrpSpPr>
-      <p:grpSpPr>
-        <a:xfrm>
-          <a:off x="0" y="0"/>
-          <a:ext cx="0" cy="0"/>
-          <a:chOff x="0" y="0"/>
-          <a:chExt cx="0" cy="0"/>
-        </a:xfrm>
-      </p:grpSpPr>
-      <p:sp>
-        <p:nvSpPr>
-          <p:cNvPr id="2" name="Title 1"/>
-          <p:cNvSpPr>
-            <a:spLocks noGrp="1"/>
-          </p:cNvSpPr>
-          <p:nvPr>
-            <p:ph type="title"/>
-          </p:nvPr>
-        </p:nvSpPr>
-        <p:spPr/>
-        <p:txBody>
-          <a:bodyPr/>
-          <a:lstStyle/>
-          <a:p>
-            <a:r>
-              <a:rPr lang="en-US" dirty="0" smtClean="0"/>
-              <a:t>Spark Is Better Fit for Iterative Workloads</a:t>
-            </a:r>
-            <a:endParaRPr lang="en-US" dirty="0"/>
-          </a:p>
-        </p:txBody>
-      </p:sp>
-      <p:pic>
-        <p:nvPicPr>
-          <p:cNvPr id="5" name="Content Placeholder 4" descr="mr_vs_spark.png"/>
-          <p:cNvPicPr>
-            <a:picLocks noGrp="1" noChangeAspect="1"/>
-          </p:cNvPicPr>
-          <p:nvPr>
-            <p:ph idx="1"/>
-          </p:nvPr>
-        </p:nvPicPr>
-        <p:blipFill>
-          <a:blip r:embed="rId3">
-            <a:extLst>
-              <a:ext uri="{28A0092B-C50C-407E-A947-70E740481C1C}">
-                <a14:useLocalDpi xmlns:a14="http://schemas.microsoft.com/office/drawing/2010/main" val="0"/>
-              </a:ext>
-            </a:extLst>
-          </a:blip>
-          <a:srcRect l="-21679" r="-21679"/>
-          <a:stretch>
-            <a:fillRect/>
-          </a:stretch>
-        </p:blipFill>
-        <p:spPr>
-          <a:xfrm>
-            <a:off x="498475" y="1981200"/>
-            <a:ext cx="7556500" cy="4144963"/>
-          </a:xfrm>
-        </p:spPr>
-      </p:pic>
-      <p:sp>
-        <p:nvSpPr>
-          <p:cNvPr id="4" name="Footer Placeholder 3"/>
-          <p:cNvSpPr>
-            <a:spLocks noGrp="1"/>
-          </p:cNvSpPr>
-          <p:nvPr>
-            <p:ph type="ftr" sz="quarter" idx="11"/>
-          </p:nvPr>
-        </p:nvSpPr>
-        <p:spPr/>
-        <p:txBody>
-          <a:bodyPr/>
-          <a:lstStyle/>
-          <a:p>
-            <a:r>
-              <a:rPr lang="en-US" smtClean="0"/>
-              <a:t>© Elephant Scale, 2014</a:t>
-            </a:r>
-            <a:endParaRPr lang="en-US" dirty="0"/>
-          </a:p>
-        </p:txBody>
-      </p:sp>
-    </p:spTree>
-    <p:extLst>
-      <p:ext uri="{BB962C8B-B14F-4D97-AF65-F5344CB8AC3E}">
-        <p14:creationId xmlns:p14="http://schemas.microsoft.com/office/powerpoint/2010/main" val="2829251357"/>
       </p:ext>
     </p:extLst>
   </p:cSld>
